--- a/figures/modeling/Yixuan_chap7.pptx
+++ b/figures/modeling/Yixuan_chap7.pptx
@@ -254,7 +254,7 @@
           <a:p>
             <a:fld id="{E3D17B11-CCD8-4EEC-AD7E-F410C1454966}" type="datetimeFigureOut">
               <a:rPr lang="zh-CN" altLang="en-US" smtClean="0"/>
-              <a:t>2021/12/26</a:t>
+              <a:t>2022/1/18</a:t>
             </a:fld>
             <a:endParaRPr lang="zh-CN" altLang="en-US"/>
           </a:p>
@@ -422,7 +422,7 @@
           <a:p>
             <a:fld id="{E3D17B11-CCD8-4EEC-AD7E-F410C1454966}" type="datetimeFigureOut">
               <a:rPr lang="zh-CN" altLang="en-US" smtClean="0"/>
-              <a:t>2021/12/26</a:t>
+              <a:t>2022/1/18</a:t>
             </a:fld>
             <a:endParaRPr lang="zh-CN" altLang="en-US"/>
           </a:p>
@@ -600,7 +600,7 @@
           <a:p>
             <a:fld id="{E3D17B11-CCD8-4EEC-AD7E-F410C1454966}" type="datetimeFigureOut">
               <a:rPr lang="zh-CN" altLang="en-US" smtClean="0"/>
-              <a:t>2021/12/26</a:t>
+              <a:t>2022/1/18</a:t>
             </a:fld>
             <a:endParaRPr lang="zh-CN" altLang="en-US"/>
           </a:p>
@@ -768,7 +768,7 @@
           <a:p>
             <a:fld id="{E3D17B11-CCD8-4EEC-AD7E-F410C1454966}" type="datetimeFigureOut">
               <a:rPr lang="zh-CN" altLang="en-US" smtClean="0"/>
-              <a:t>2021/12/26</a:t>
+              <a:t>2022/1/18</a:t>
             </a:fld>
             <a:endParaRPr lang="zh-CN" altLang="en-US"/>
           </a:p>
@@ -1013,7 +1013,7 @@
           <a:p>
             <a:fld id="{E3D17B11-CCD8-4EEC-AD7E-F410C1454966}" type="datetimeFigureOut">
               <a:rPr lang="zh-CN" altLang="en-US" smtClean="0"/>
-              <a:t>2021/12/26</a:t>
+              <a:t>2022/1/18</a:t>
             </a:fld>
             <a:endParaRPr lang="zh-CN" altLang="en-US"/>
           </a:p>
@@ -1242,7 +1242,7 @@
           <a:p>
             <a:fld id="{E3D17B11-CCD8-4EEC-AD7E-F410C1454966}" type="datetimeFigureOut">
               <a:rPr lang="zh-CN" altLang="en-US" smtClean="0"/>
-              <a:t>2021/12/26</a:t>
+              <a:t>2022/1/18</a:t>
             </a:fld>
             <a:endParaRPr lang="zh-CN" altLang="en-US"/>
           </a:p>
@@ -1606,7 +1606,7 @@
           <a:p>
             <a:fld id="{E3D17B11-CCD8-4EEC-AD7E-F410C1454966}" type="datetimeFigureOut">
               <a:rPr lang="zh-CN" altLang="en-US" smtClean="0"/>
-              <a:t>2021/12/26</a:t>
+              <a:t>2022/1/18</a:t>
             </a:fld>
             <a:endParaRPr lang="zh-CN" altLang="en-US"/>
           </a:p>
@@ -1723,7 +1723,7 @@
           <a:p>
             <a:fld id="{E3D17B11-CCD8-4EEC-AD7E-F410C1454966}" type="datetimeFigureOut">
               <a:rPr lang="zh-CN" altLang="en-US" smtClean="0"/>
-              <a:t>2021/12/26</a:t>
+              <a:t>2022/1/18</a:t>
             </a:fld>
             <a:endParaRPr lang="zh-CN" altLang="en-US"/>
           </a:p>
@@ -1818,7 +1818,7 @@
           <a:p>
             <a:fld id="{E3D17B11-CCD8-4EEC-AD7E-F410C1454966}" type="datetimeFigureOut">
               <a:rPr lang="zh-CN" altLang="en-US" smtClean="0"/>
-              <a:t>2021/12/26</a:t>
+              <a:t>2022/1/18</a:t>
             </a:fld>
             <a:endParaRPr lang="zh-CN" altLang="en-US"/>
           </a:p>
@@ -2093,7 +2093,7 @@
           <a:p>
             <a:fld id="{E3D17B11-CCD8-4EEC-AD7E-F410C1454966}" type="datetimeFigureOut">
               <a:rPr lang="zh-CN" altLang="en-US" smtClean="0"/>
-              <a:t>2021/12/26</a:t>
+              <a:t>2022/1/18</a:t>
             </a:fld>
             <a:endParaRPr lang="zh-CN" altLang="en-US"/>
           </a:p>
@@ -2345,7 +2345,7 @@
           <a:p>
             <a:fld id="{E3D17B11-CCD8-4EEC-AD7E-F410C1454966}" type="datetimeFigureOut">
               <a:rPr lang="zh-CN" altLang="en-US" smtClean="0"/>
-              <a:t>2021/12/26</a:t>
+              <a:t>2022/1/18</a:t>
             </a:fld>
             <a:endParaRPr lang="zh-CN" altLang="en-US"/>
           </a:p>
@@ -2556,7 +2556,7 @@
           <a:p>
             <a:fld id="{E3D17B11-CCD8-4EEC-AD7E-F410C1454966}" type="datetimeFigureOut">
               <a:rPr lang="zh-CN" altLang="en-US" smtClean="0"/>
-              <a:t>2021/12/26</a:t>
+              <a:t>2022/1/18</a:t>
             </a:fld>
             <a:endParaRPr lang="zh-CN" altLang="en-US"/>
           </a:p>
@@ -3521,6 +3521,106 @@
               <a:rPr lang="en-US" dirty="0"/>
               <a:t>.</a:t>
             </a:r>
+          </a:p>
+        </p:txBody>
+      </p:sp>
+      <p:sp>
+        <p:nvSpPr>
+          <p:cNvPr id="2" name="Rectangle 1">
+            <a:extLst>
+              <a:ext uri="{FF2B5EF4-FFF2-40B4-BE49-F238E27FC236}">
+                <a16:creationId xmlns:a16="http://schemas.microsoft.com/office/drawing/2014/main" id="{593F07E2-2BD6-3346-9108-4F066C6209A5}"/>
+              </a:ext>
+            </a:extLst>
+          </p:cNvPr>
+          <p:cNvSpPr/>
+          <p:nvPr/>
+        </p:nvSpPr>
+        <p:spPr>
+          <a:xfrm>
+            <a:off x="2452499" y="2468786"/>
+            <a:ext cx="2560320" cy="1935431"/>
+          </a:xfrm>
+          <a:prstGeom prst="rect">
+            <a:avLst/>
+          </a:prstGeom>
+          <a:noFill/>
+          <a:ln>
+            <a:noFill/>
+          </a:ln>
+        </p:spPr>
+        <p:style>
+          <a:lnRef idx="2">
+            <a:schemeClr val="accent1">
+              <a:shade val="50000"/>
+            </a:schemeClr>
+          </a:lnRef>
+          <a:fillRef idx="1">
+            <a:schemeClr val="accent1"/>
+          </a:fillRef>
+          <a:effectRef idx="0">
+            <a:schemeClr val="accent1"/>
+          </a:effectRef>
+          <a:fontRef idx="minor">
+            <a:schemeClr val="lt1"/>
+          </a:fontRef>
+        </p:style>
+        <p:txBody>
+          <a:bodyPr rtlCol="0" anchor="ctr"/>
+          <a:lstStyle/>
+          <a:p>
+            <a:pPr algn="ctr"/>
+            <a:endParaRPr lang="en-US"/>
+          </a:p>
+        </p:txBody>
+      </p:sp>
+      <p:sp>
+        <p:nvSpPr>
+          <p:cNvPr id="19" name="Rectangle 18">
+            <a:extLst>
+              <a:ext uri="{FF2B5EF4-FFF2-40B4-BE49-F238E27FC236}">
+                <a16:creationId xmlns:a16="http://schemas.microsoft.com/office/drawing/2014/main" id="{BC5883B8-67CD-974E-9636-D28A2AA0BDE1}"/>
+              </a:ext>
+            </a:extLst>
+          </p:cNvPr>
+          <p:cNvSpPr/>
+          <p:nvPr/>
+        </p:nvSpPr>
+        <p:spPr>
+          <a:xfrm>
+            <a:off x="7108252" y="2468785"/>
+            <a:ext cx="2560320" cy="1935431"/>
+          </a:xfrm>
+          <a:prstGeom prst="rect">
+            <a:avLst/>
+          </a:prstGeom>
+          <a:noFill/>
+          <a:ln>
+            <a:noFill/>
+          </a:ln>
+        </p:spPr>
+        <p:style>
+          <a:lnRef idx="2">
+            <a:schemeClr val="accent1">
+              <a:shade val="50000"/>
+            </a:schemeClr>
+          </a:lnRef>
+          <a:fillRef idx="1">
+            <a:schemeClr val="accent1"/>
+          </a:fillRef>
+          <a:effectRef idx="0">
+            <a:schemeClr val="accent1"/>
+          </a:effectRef>
+          <a:fontRef idx="minor">
+            <a:schemeClr val="lt1"/>
+          </a:fontRef>
+        </p:style>
+        <p:txBody>
+          <a:bodyPr rtlCol="0" anchor="ctr"/>
+          <a:lstStyle/>
+          <a:p>
+            <a:pPr algn="ctr"/>
+            <a:endParaRPr lang="en-US"/>
           </a:p>
         </p:txBody>
       </p:sp>

--- a/figures/modeling/Yixuan_chap7.pptx
+++ b/figures/modeling/Yixuan_chap7.pptx
@@ -8,7 +8,8 @@
     <p:sldId id="256" r:id="rId2"/>
     <p:sldId id="257" r:id="rId3"/>
     <p:sldId id="258" r:id="rId4"/>
-    <p:sldId id="259" r:id="rId5"/>
+    <p:sldId id="260" r:id="rId5"/>
+    <p:sldId id="259" r:id="rId6"/>
   </p:sldIdLst>
   <p:sldSz cx="12192000" cy="6858000"/>
   <p:notesSz cx="6858000" cy="9144000"/>
@@ -254,7 +255,7 @@
           <a:p>
             <a:fld id="{E3D17B11-CCD8-4EEC-AD7E-F410C1454966}" type="datetimeFigureOut">
               <a:rPr lang="zh-CN" altLang="en-US" smtClean="0"/>
-              <a:t>2022/1/18</a:t>
+              <a:t>2022/1/23</a:t>
             </a:fld>
             <a:endParaRPr lang="zh-CN" altLang="en-US"/>
           </a:p>
@@ -422,7 +423,7 @@
           <a:p>
             <a:fld id="{E3D17B11-CCD8-4EEC-AD7E-F410C1454966}" type="datetimeFigureOut">
               <a:rPr lang="zh-CN" altLang="en-US" smtClean="0"/>
-              <a:t>2022/1/18</a:t>
+              <a:t>2022/1/23</a:t>
             </a:fld>
             <a:endParaRPr lang="zh-CN" altLang="en-US"/>
           </a:p>
@@ -600,7 +601,7 @@
           <a:p>
             <a:fld id="{E3D17B11-CCD8-4EEC-AD7E-F410C1454966}" type="datetimeFigureOut">
               <a:rPr lang="zh-CN" altLang="en-US" smtClean="0"/>
-              <a:t>2022/1/18</a:t>
+              <a:t>2022/1/23</a:t>
             </a:fld>
             <a:endParaRPr lang="zh-CN" altLang="en-US"/>
           </a:p>
@@ -768,7 +769,7 @@
           <a:p>
             <a:fld id="{E3D17B11-CCD8-4EEC-AD7E-F410C1454966}" type="datetimeFigureOut">
               <a:rPr lang="zh-CN" altLang="en-US" smtClean="0"/>
-              <a:t>2022/1/18</a:t>
+              <a:t>2022/1/23</a:t>
             </a:fld>
             <a:endParaRPr lang="zh-CN" altLang="en-US"/>
           </a:p>
@@ -1013,7 +1014,7 @@
           <a:p>
             <a:fld id="{E3D17B11-CCD8-4EEC-AD7E-F410C1454966}" type="datetimeFigureOut">
               <a:rPr lang="zh-CN" altLang="en-US" smtClean="0"/>
-              <a:t>2022/1/18</a:t>
+              <a:t>2022/1/23</a:t>
             </a:fld>
             <a:endParaRPr lang="zh-CN" altLang="en-US"/>
           </a:p>
@@ -1242,7 +1243,7 @@
           <a:p>
             <a:fld id="{E3D17B11-CCD8-4EEC-AD7E-F410C1454966}" type="datetimeFigureOut">
               <a:rPr lang="zh-CN" altLang="en-US" smtClean="0"/>
-              <a:t>2022/1/18</a:t>
+              <a:t>2022/1/23</a:t>
             </a:fld>
             <a:endParaRPr lang="zh-CN" altLang="en-US"/>
           </a:p>
@@ -1606,7 +1607,7 @@
           <a:p>
             <a:fld id="{E3D17B11-CCD8-4EEC-AD7E-F410C1454966}" type="datetimeFigureOut">
               <a:rPr lang="zh-CN" altLang="en-US" smtClean="0"/>
-              <a:t>2022/1/18</a:t>
+              <a:t>2022/1/23</a:t>
             </a:fld>
             <a:endParaRPr lang="zh-CN" altLang="en-US"/>
           </a:p>
@@ -1723,7 +1724,7 @@
           <a:p>
             <a:fld id="{E3D17B11-CCD8-4EEC-AD7E-F410C1454966}" type="datetimeFigureOut">
               <a:rPr lang="zh-CN" altLang="en-US" smtClean="0"/>
-              <a:t>2022/1/18</a:t>
+              <a:t>2022/1/23</a:t>
             </a:fld>
             <a:endParaRPr lang="zh-CN" altLang="en-US"/>
           </a:p>
@@ -1818,7 +1819,7 @@
           <a:p>
             <a:fld id="{E3D17B11-CCD8-4EEC-AD7E-F410C1454966}" type="datetimeFigureOut">
               <a:rPr lang="zh-CN" altLang="en-US" smtClean="0"/>
-              <a:t>2022/1/18</a:t>
+              <a:t>2022/1/23</a:t>
             </a:fld>
             <a:endParaRPr lang="zh-CN" altLang="en-US"/>
           </a:p>
@@ -2093,7 +2094,7 @@
           <a:p>
             <a:fld id="{E3D17B11-CCD8-4EEC-AD7E-F410C1454966}" type="datetimeFigureOut">
               <a:rPr lang="zh-CN" altLang="en-US" smtClean="0"/>
-              <a:t>2022/1/18</a:t>
+              <a:t>2022/1/23</a:t>
             </a:fld>
             <a:endParaRPr lang="zh-CN" altLang="en-US"/>
           </a:p>
@@ -2345,7 +2346,7 @@
           <a:p>
             <a:fld id="{E3D17B11-CCD8-4EEC-AD7E-F410C1454966}" type="datetimeFigureOut">
               <a:rPr lang="zh-CN" altLang="en-US" smtClean="0"/>
-              <a:t>2022/1/18</a:t>
+              <a:t>2022/1/23</a:t>
             </a:fld>
             <a:endParaRPr lang="zh-CN" altLang="en-US"/>
           </a:p>
@@ -2556,7 +2557,7 @@
           <a:p>
             <a:fld id="{E3D17B11-CCD8-4EEC-AD7E-F410C1454966}" type="datetimeFigureOut">
               <a:rPr lang="zh-CN" altLang="en-US" smtClean="0"/>
-              <a:t>2022/1/18</a:t>
+              <a:t>2022/1/23</a:t>
             </a:fld>
             <a:endParaRPr lang="zh-CN" altLang="en-US"/>
           </a:p>
@@ -3656,6 +3657,41 @@
       </p:grpSpPr>
       <p:sp>
         <p:nvSpPr>
+          <p:cNvPr id="121" name="TextBox 120">
+            <a:extLst>
+              <a:ext uri="{FF2B5EF4-FFF2-40B4-BE49-F238E27FC236}">
+                <a16:creationId xmlns:a16="http://schemas.microsoft.com/office/drawing/2014/main" id="{B187570F-9443-4B40-90E7-D4A4A72BBD5A}"/>
+              </a:ext>
+            </a:extLst>
+          </p:cNvPr>
+          <p:cNvSpPr txBox="1"/>
+          <p:nvPr/>
+        </p:nvSpPr>
+        <p:spPr>
+          <a:xfrm>
+            <a:off x="1676827" y="1428808"/>
+            <a:ext cx="2159566" cy="369332"/>
+          </a:xfrm>
+          <a:prstGeom prst="rect">
+            <a:avLst/>
+          </a:prstGeom>
+          <a:noFill/>
+        </p:spPr>
+        <p:txBody>
+          <a:bodyPr wrap="none" rtlCol="0">
+            <a:spAutoFit/>
+          </a:bodyPr>
+          <a:lstStyle/>
+          <a:p>
+            <a:r>
+              <a:rPr lang="en-US" dirty="0"/>
+              <a:t>Select node in queue</a:t>
+            </a:r>
+          </a:p>
+        </p:txBody>
+      </p:sp>
+      <p:sp>
+        <p:nvSpPr>
           <p:cNvPr id="55" name="Rectangle 54">
             <a:extLst>
               <a:ext uri="{FF2B5EF4-FFF2-40B4-BE49-F238E27FC236}">
@@ -6739,7 +6775,7 @@
         <p:spPr>
           <a:xfrm>
             <a:off x="1676827" y="1428808"/>
-            <a:ext cx="772071" cy="369332"/>
+            <a:ext cx="3081228" cy="369332"/>
           </a:xfrm>
           <a:prstGeom prst="rect">
             <a:avLst/>
@@ -6752,10 +6788,9 @@
           </a:bodyPr>
           <a:lstStyle/>
           <a:p>
-            <a:pPr algn="ctr"/>
             <a:r>
               <a:rPr lang="en-US" dirty="0"/>
-              <a:t>Step 1</a:t>
+              <a:t>Initialize nodes on surface cells</a:t>
             </a:r>
           </a:p>
         </p:txBody>
@@ -6811,6 +6846,636 @@
           <a:p>
             <a:pPr algn="ctr"/>
             <a:endParaRPr lang="en-US"/>
+          </a:p>
+        </p:txBody>
+      </p:sp>
+      <p:sp>
+        <p:nvSpPr>
+          <p:cNvPr id="2" name="TextBox 1">
+            <a:extLst>
+              <a:ext uri="{FF2B5EF4-FFF2-40B4-BE49-F238E27FC236}">
+                <a16:creationId xmlns:a16="http://schemas.microsoft.com/office/drawing/2014/main" id="{220C0BCA-B4D7-C745-A6EF-FB20A5E3233F}"/>
+              </a:ext>
+            </a:extLst>
+          </p:cNvPr>
+          <p:cNvSpPr txBox="1"/>
+          <p:nvPr/>
+        </p:nvSpPr>
+        <p:spPr>
+          <a:xfrm>
+            <a:off x="3673593" y="1983156"/>
+            <a:ext cx="364202" cy="261610"/>
+          </a:xfrm>
+          <a:prstGeom prst="rect">
+            <a:avLst/>
+          </a:prstGeom>
+          <a:noFill/>
+        </p:spPr>
+        <p:txBody>
+          <a:bodyPr wrap="none" rtlCol="0">
+            <a:spAutoFit/>
+          </a:bodyPr>
+          <a:lstStyle/>
+          <a:p>
+            <a:r>
+              <a:rPr lang="en-US" sz="1050" dirty="0"/>
+              <a:t>0.3</a:t>
+            </a:r>
+          </a:p>
+        </p:txBody>
+      </p:sp>
+      <p:sp>
+        <p:nvSpPr>
+          <p:cNvPr id="92" name="TextBox 91">
+            <a:extLst>
+              <a:ext uri="{FF2B5EF4-FFF2-40B4-BE49-F238E27FC236}">
+                <a16:creationId xmlns:a16="http://schemas.microsoft.com/office/drawing/2014/main" id="{E9075957-FF2D-D641-B77B-4BE6784F1841}"/>
+              </a:ext>
+            </a:extLst>
+          </p:cNvPr>
+          <p:cNvSpPr txBox="1"/>
+          <p:nvPr/>
+        </p:nvSpPr>
+        <p:spPr>
+          <a:xfrm>
+            <a:off x="3386045" y="1983156"/>
+            <a:ext cx="356188" cy="253916"/>
+          </a:xfrm>
+          <a:prstGeom prst="rect">
+            <a:avLst/>
+          </a:prstGeom>
+          <a:noFill/>
+        </p:spPr>
+        <p:txBody>
+          <a:bodyPr wrap="none" rtlCol="0">
+            <a:spAutoFit/>
+          </a:bodyPr>
+          <a:lstStyle/>
+          <a:p>
+            <a:r>
+              <a:rPr lang="en-US" sz="1050" dirty="0"/>
+              <a:t>0.5</a:t>
+            </a:r>
+          </a:p>
+        </p:txBody>
+      </p:sp>
+      <p:sp>
+        <p:nvSpPr>
+          <p:cNvPr id="95" name="TextBox 94">
+            <a:extLst>
+              <a:ext uri="{FF2B5EF4-FFF2-40B4-BE49-F238E27FC236}">
+                <a16:creationId xmlns:a16="http://schemas.microsoft.com/office/drawing/2014/main" id="{20554663-DED0-584E-8BCC-73C130A8885E}"/>
+              </a:ext>
+            </a:extLst>
+          </p:cNvPr>
+          <p:cNvSpPr txBox="1"/>
+          <p:nvPr/>
+        </p:nvSpPr>
+        <p:spPr>
+          <a:xfrm>
+            <a:off x="3098497" y="1983156"/>
+            <a:ext cx="356188" cy="253916"/>
+          </a:xfrm>
+          <a:prstGeom prst="rect">
+            <a:avLst/>
+          </a:prstGeom>
+          <a:noFill/>
+        </p:spPr>
+        <p:txBody>
+          <a:bodyPr wrap="none" rtlCol="0">
+            <a:spAutoFit/>
+          </a:bodyPr>
+          <a:lstStyle/>
+          <a:p>
+            <a:r>
+              <a:rPr lang="en-US" sz="1050" dirty="0"/>
+              <a:t>0.9</a:t>
+            </a:r>
+          </a:p>
+        </p:txBody>
+      </p:sp>
+      <p:sp>
+        <p:nvSpPr>
+          <p:cNvPr id="105" name="TextBox 104">
+            <a:extLst>
+              <a:ext uri="{FF2B5EF4-FFF2-40B4-BE49-F238E27FC236}">
+                <a16:creationId xmlns:a16="http://schemas.microsoft.com/office/drawing/2014/main" id="{1AFC3181-C63A-114E-BF55-23EB4CAC17C3}"/>
+              </a:ext>
+            </a:extLst>
+          </p:cNvPr>
+          <p:cNvSpPr txBox="1"/>
+          <p:nvPr/>
+        </p:nvSpPr>
+        <p:spPr>
+          <a:xfrm>
+            <a:off x="3947000" y="2259849"/>
+            <a:ext cx="397866" cy="253916"/>
+          </a:xfrm>
+          <a:prstGeom prst="rect">
+            <a:avLst/>
+          </a:prstGeom>
+          <a:noFill/>
+        </p:spPr>
+        <p:txBody>
+          <a:bodyPr wrap="none" rtlCol="0">
+            <a:spAutoFit/>
+          </a:bodyPr>
+          <a:lstStyle/>
+          <a:p>
+            <a:r>
+              <a:rPr lang="en-US" sz="1050" dirty="0"/>
+              <a:t>-0.4</a:t>
+            </a:r>
+          </a:p>
+        </p:txBody>
+      </p:sp>
+      <p:sp>
+        <p:nvSpPr>
+          <p:cNvPr id="107" name="TextBox 106">
+            <a:extLst>
+              <a:ext uri="{FF2B5EF4-FFF2-40B4-BE49-F238E27FC236}">
+                <a16:creationId xmlns:a16="http://schemas.microsoft.com/office/drawing/2014/main" id="{20D3B9C1-8E7F-7E4E-A148-32B5AEE9FEB8}"/>
+              </a:ext>
+            </a:extLst>
+          </p:cNvPr>
+          <p:cNvSpPr txBox="1"/>
+          <p:nvPr/>
+        </p:nvSpPr>
+        <p:spPr>
+          <a:xfrm>
+            <a:off x="3639929" y="2259849"/>
+            <a:ext cx="397866" cy="253916"/>
+          </a:xfrm>
+          <a:prstGeom prst="rect">
+            <a:avLst/>
+          </a:prstGeom>
+          <a:noFill/>
+        </p:spPr>
+        <p:txBody>
+          <a:bodyPr wrap="none" rtlCol="0">
+            <a:spAutoFit/>
+          </a:bodyPr>
+          <a:lstStyle/>
+          <a:p>
+            <a:r>
+              <a:rPr lang="en-US" sz="1050" dirty="0"/>
+              <a:t>-0.1</a:t>
+            </a:r>
+          </a:p>
+        </p:txBody>
+      </p:sp>
+      <p:sp>
+        <p:nvSpPr>
+          <p:cNvPr id="108" name="TextBox 107">
+            <a:extLst>
+              <a:ext uri="{FF2B5EF4-FFF2-40B4-BE49-F238E27FC236}">
+                <a16:creationId xmlns:a16="http://schemas.microsoft.com/office/drawing/2014/main" id="{6BB20994-4F0E-6044-9C71-142BAFE0BB42}"/>
+              </a:ext>
+            </a:extLst>
+          </p:cNvPr>
+          <p:cNvSpPr txBox="1"/>
+          <p:nvPr/>
+        </p:nvSpPr>
+        <p:spPr>
+          <a:xfrm>
+            <a:off x="3098497" y="2259849"/>
+            <a:ext cx="356188" cy="253916"/>
+          </a:xfrm>
+          <a:prstGeom prst="rect">
+            <a:avLst/>
+          </a:prstGeom>
+          <a:noFill/>
+        </p:spPr>
+        <p:txBody>
+          <a:bodyPr wrap="none" rtlCol="0">
+            <a:spAutoFit/>
+          </a:bodyPr>
+          <a:lstStyle/>
+          <a:p>
+            <a:r>
+              <a:rPr lang="en-US" sz="1050" dirty="0"/>
+              <a:t>0.2</a:t>
+            </a:r>
+          </a:p>
+        </p:txBody>
+      </p:sp>
+      <p:sp>
+        <p:nvSpPr>
+          <p:cNvPr id="109" name="TextBox 108">
+            <a:extLst>
+              <a:ext uri="{FF2B5EF4-FFF2-40B4-BE49-F238E27FC236}">
+                <a16:creationId xmlns:a16="http://schemas.microsoft.com/office/drawing/2014/main" id="{1AE644BF-44D5-2846-BA20-99A4BEB1D7C5}"/>
+              </a:ext>
+            </a:extLst>
+          </p:cNvPr>
+          <p:cNvSpPr txBox="1"/>
+          <p:nvPr/>
+        </p:nvSpPr>
+        <p:spPr>
+          <a:xfrm>
+            <a:off x="2814132" y="2259849"/>
+            <a:ext cx="356188" cy="253916"/>
+          </a:xfrm>
+          <a:prstGeom prst="rect">
+            <a:avLst/>
+          </a:prstGeom>
+          <a:noFill/>
+        </p:spPr>
+        <p:txBody>
+          <a:bodyPr wrap="none" rtlCol="0">
+            <a:spAutoFit/>
+          </a:bodyPr>
+          <a:lstStyle/>
+          <a:p>
+            <a:r>
+              <a:rPr lang="en-US" sz="1050" dirty="0"/>
+              <a:t>0.7</a:t>
+            </a:r>
+          </a:p>
+        </p:txBody>
+      </p:sp>
+      <p:sp>
+        <p:nvSpPr>
+          <p:cNvPr id="110" name="TextBox 109">
+            <a:extLst>
+              <a:ext uri="{FF2B5EF4-FFF2-40B4-BE49-F238E27FC236}">
+                <a16:creationId xmlns:a16="http://schemas.microsoft.com/office/drawing/2014/main" id="{4869B9E2-C9CE-A94C-A3D6-2803DF5D5B63}"/>
+              </a:ext>
+            </a:extLst>
+          </p:cNvPr>
+          <p:cNvSpPr txBox="1"/>
+          <p:nvPr/>
+        </p:nvSpPr>
+        <p:spPr>
+          <a:xfrm>
+            <a:off x="2531892" y="2526983"/>
+            <a:ext cx="356188" cy="253916"/>
+          </a:xfrm>
+          <a:prstGeom prst="rect">
+            <a:avLst/>
+          </a:prstGeom>
+          <a:noFill/>
+        </p:spPr>
+        <p:txBody>
+          <a:bodyPr wrap="none" rtlCol="0">
+            <a:spAutoFit/>
+          </a:bodyPr>
+          <a:lstStyle/>
+          <a:p>
+            <a:r>
+              <a:rPr lang="en-US" sz="1050" dirty="0"/>
+              <a:t>0.9</a:t>
+            </a:r>
+          </a:p>
+        </p:txBody>
+      </p:sp>
+      <p:sp>
+        <p:nvSpPr>
+          <p:cNvPr id="111" name="TextBox 110">
+            <a:extLst>
+              <a:ext uri="{FF2B5EF4-FFF2-40B4-BE49-F238E27FC236}">
+                <a16:creationId xmlns:a16="http://schemas.microsoft.com/office/drawing/2014/main" id="{A721E97F-5170-F04D-9B07-5D080D093F09}"/>
+              </a:ext>
+            </a:extLst>
+          </p:cNvPr>
+          <p:cNvSpPr txBox="1"/>
+          <p:nvPr/>
+        </p:nvSpPr>
+        <p:spPr>
+          <a:xfrm>
+            <a:off x="2814132" y="2526983"/>
+            <a:ext cx="356188" cy="253916"/>
+          </a:xfrm>
+          <a:prstGeom prst="rect">
+            <a:avLst/>
+          </a:prstGeom>
+          <a:noFill/>
+        </p:spPr>
+        <p:txBody>
+          <a:bodyPr wrap="none" rtlCol="0">
+            <a:spAutoFit/>
+          </a:bodyPr>
+          <a:lstStyle/>
+          <a:p>
+            <a:r>
+              <a:rPr lang="en-US" sz="1050" dirty="0"/>
+              <a:t>0.1</a:t>
+            </a:r>
+          </a:p>
+        </p:txBody>
+      </p:sp>
+      <p:sp>
+        <p:nvSpPr>
+          <p:cNvPr id="112" name="TextBox 111">
+            <a:extLst>
+              <a:ext uri="{FF2B5EF4-FFF2-40B4-BE49-F238E27FC236}">
+                <a16:creationId xmlns:a16="http://schemas.microsoft.com/office/drawing/2014/main" id="{7399C020-75DE-1F4B-9B54-5562A41C01DD}"/>
+              </a:ext>
+            </a:extLst>
+          </p:cNvPr>
+          <p:cNvSpPr txBox="1"/>
+          <p:nvPr/>
+        </p:nvSpPr>
+        <p:spPr>
+          <a:xfrm>
+            <a:off x="3344367" y="2526983"/>
+            <a:ext cx="397866" cy="253916"/>
+          </a:xfrm>
+          <a:prstGeom prst="rect">
+            <a:avLst/>
+          </a:prstGeom>
+          <a:noFill/>
+        </p:spPr>
+        <p:txBody>
+          <a:bodyPr wrap="none" rtlCol="0">
+            <a:spAutoFit/>
+          </a:bodyPr>
+          <a:lstStyle/>
+          <a:p>
+            <a:r>
+              <a:rPr lang="en-US" sz="1050" dirty="0"/>
+              <a:t>-0.4</a:t>
+            </a:r>
+          </a:p>
+        </p:txBody>
+      </p:sp>
+      <p:sp>
+        <p:nvSpPr>
+          <p:cNvPr id="113" name="TextBox 112">
+            <a:extLst>
+              <a:ext uri="{FF2B5EF4-FFF2-40B4-BE49-F238E27FC236}">
+                <a16:creationId xmlns:a16="http://schemas.microsoft.com/office/drawing/2014/main" id="{5BDAAF9F-A780-374D-A7D1-45899DD70D92}"/>
+              </a:ext>
+            </a:extLst>
+          </p:cNvPr>
+          <p:cNvSpPr txBox="1"/>
+          <p:nvPr/>
+        </p:nvSpPr>
+        <p:spPr>
+          <a:xfrm>
+            <a:off x="3639929" y="2526983"/>
+            <a:ext cx="397866" cy="253916"/>
+          </a:xfrm>
+          <a:prstGeom prst="rect">
+            <a:avLst/>
+          </a:prstGeom>
+          <a:noFill/>
+        </p:spPr>
+        <p:txBody>
+          <a:bodyPr wrap="none" rtlCol="0">
+            <a:spAutoFit/>
+          </a:bodyPr>
+          <a:lstStyle/>
+          <a:p>
+            <a:r>
+              <a:rPr lang="en-US" sz="1050" dirty="0"/>
+              <a:t>-0.9</a:t>
+            </a:r>
+          </a:p>
+        </p:txBody>
+      </p:sp>
+      <p:sp>
+        <p:nvSpPr>
+          <p:cNvPr id="114" name="TextBox 113">
+            <a:extLst>
+              <a:ext uri="{FF2B5EF4-FFF2-40B4-BE49-F238E27FC236}">
+                <a16:creationId xmlns:a16="http://schemas.microsoft.com/office/drawing/2014/main" id="{AB85D2D9-AD19-F944-B159-D87DCDB92686}"/>
+              </a:ext>
+            </a:extLst>
+          </p:cNvPr>
+          <p:cNvSpPr txBox="1"/>
+          <p:nvPr/>
+        </p:nvSpPr>
+        <p:spPr>
+          <a:xfrm>
+            <a:off x="2531892" y="2808198"/>
+            <a:ext cx="356188" cy="253916"/>
+          </a:xfrm>
+          <a:prstGeom prst="rect">
+            <a:avLst/>
+          </a:prstGeom>
+          <a:noFill/>
+        </p:spPr>
+        <p:txBody>
+          <a:bodyPr wrap="none" rtlCol="0">
+            <a:spAutoFit/>
+          </a:bodyPr>
+          <a:lstStyle/>
+          <a:p>
+            <a:r>
+              <a:rPr lang="en-US" sz="1050" dirty="0"/>
+              <a:t>0.8</a:t>
+            </a:r>
+          </a:p>
+        </p:txBody>
+      </p:sp>
+      <p:sp>
+        <p:nvSpPr>
+          <p:cNvPr id="115" name="TextBox 114">
+            <a:extLst>
+              <a:ext uri="{FF2B5EF4-FFF2-40B4-BE49-F238E27FC236}">
+                <a16:creationId xmlns:a16="http://schemas.microsoft.com/office/drawing/2014/main" id="{F957978B-9DA6-114D-9080-8B5AA66B5B03}"/>
+              </a:ext>
+            </a:extLst>
+          </p:cNvPr>
+          <p:cNvSpPr txBox="1"/>
+          <p:nvPr/>
+        </p:nvSpPr>
+        <p:spPr>
+          <a:xfrm>
+            <a:off x="2531892" y="3089413"/>
+            <a:ext cx="356188" cy="253916"/>
+          </a:xfrm>
+          <a:prstGeom prst="rect">
+            <a:avLst/>
+          </a:prstGeom>
+          <a:noFill/>
+        </p:spPr>
+        <p:txBody>
+          <a:bodyPr wrap="none" rtlCol="0">
+            <a:spAutoFit/>
+          </a:bodyPr>
+          <a:lstStyle/>
+          <a:p>
+            <a:r>
+              <a:rPr lang="en-US" sz="1050" dirty="0"/>
+              <a:t>0.5</a:t>
+            </a:r>
+          </a:p>
+        </p:txBody>
+      </p:sp>
+      <p:sp>
+        <p:nvSpPr>
+          <p:cNvPr id="116" name="TextBox 115">
+            <a:extLst>
+              <a:ext uri="{FF2B5EF4-FFF2-40B4-BE49-F238E27FC236}">
+                <a16:creationId xmlns:a16="http://schemas.microsoft.com/office/drawing/2014/main" id="{E9292C7D-165F-BF48-8ABE-142D4AAD0C2C}"/>
+              </a:ext>
+            </a:extLst>
+          </p:cNvPr>
+          <p:cNvSpPr txBox="1"/>
+          <p:nvPr/>
+        </p:nvSpPr>
+        <p:spPr>
+          <a:xfrm>
+            <a:off x="2531892" y="3370628"/>
+            <a:ext cx="356188" cy="253916"/>
+          </a:xfrm>
+          <a:prstGeom prst="rect">
+            <a:avLst/>
+          </a:prstGeom>
+          <a:noFill/>
+        </p:spPr>
+        <p:txBody>
+          <a:bodyPr wrap="none" rtlCol="0">
+            <a:spAutoFit/>
+          </a:bodyPr>
+          <a:lstStyle/>
+          <a:p>
+            <a:r>
+              <a:rPr lang="en-US" sz="1050" dirty="0"/>
+              <a:t>0.3</a:t>
+            </a:r>
+          </a:p>
+        </p:txBody>
+      </p:sp>
+      <p:sp>
+        <p:nvSpPr>
+          <p:cNvPr id="117" name="TextBox 116">
+            <a:extLst>
+              <a:ext uri="{FF2B5EF4-FFF2-40B4-BE49-F238E27FC236}">
+                <a16:creationId xmlns:a16="http://schemas.microsoft.com/office/drawing/2014/main" id="{85203F5D-5610-FF4E-A805-61411BDC0E22}"/>
+              </a:ext>
+            </a:extLst>
+          </p:cNvPr>
+          <p:cNvSpPr txBox="1"/>
+          <p:nvPr/>
+        </p:nvSpPr>
+        <p:spPr>
+          <a:xfrm>
+            <a:off x="3056819" y="3370628"/>
+            <a:ext cx="397866" cy="253916"/>
+          </a:xfrm>
+          <a:prstGeom prst="rect">
+            <a:avLst/>
+          </a:prstGeom>
+          <a:noFill/>
+        </p:spPr>
+        <p:txBody>
+          <a:bodyPr wrap="none" rtlCol="0">
+            <a:spAutoFit/>
+          </a:bodyPr>
+          <a:lstStyle/>
+          <a:p>
+            <a:r>
+              <a:rPr lang="en-US" sz="1050" dirty="0"/>
+              <a:t>-0.6</a:t>
+            </a:r>
+          </a:p>
+        </p:txBody>
+      </p:sp>
+      <p:sp>
+        <p:nvSpPr>
+          <p:cNvPr id="118" name="TextBox 117">
+            <a:extLst>
+              <a:ext uri="{FF2B5EF4-FFF2-40B4-BE49-F238E27FC236}">
+                <a16:creationId xmlns:a16="http://schemas.microsoft.com/office/drawing/2014/main" id="{8D9C2BB5-0511-4E4D-AEF5-61557F790E48}"/>
+              </a:ext>
+            </a:extLst>
+          </p:cNvPr>
+          <p:cNvSpPr txBox="1"/>
+          <p:nvPr/>
+        </p:nvSpPr>
+        <p:spPr>
+          <a:xfrm>
+            <a:off x="3056819" y="3090409"/>
+            <a:ext cx="397866" cy="253916"/>
+          </a:xfrm>
+          <a:prstGeom prst="rect">
+            <a:avLst/>
+          </a:prstGeom>
+          <a:noFill/>
+        </p:spPr>
+        <p:txBody>
+          <a:bodyPr wrap="none" rtlCol="0">
+            <a:spAutoFit/>
+          </a:bodyPr>
+          <a:lstStyle/>
+          <a:p>
+            <a:r>
+              <a:rPr lang="en-US" sz="1050" dirty="0"/>
+              <a:t>-0.5</a:t>
+            </a:r>
+          </a:p>
+        </p:txBody>
+      </p:sp>
+      <p:sp>
+        <p:nvSpPr>
+          <p:cNvPr id="119" name="TextBox 118">
+            <a:extLst>
+              <a:ext uri="{FF2B5EF4-FFF2-40B4-BE49-F238E27FC236}">
+                <a16:creationId xmlns:a16="http://schemas.microsoft.com/office/drawing/2014/main" id="{EDE1D3F5-4E33-494A-A37C-958E56794B12}"/>
+              </a:ext>
+            </a:extLst>
+          </p:cNvPr>
+          <p:cNvSpPr txBox="1"/>
+          <p:nvPr/>
+        </p:nvSpPr>
+        <p:spPr>
+          <a:xfrm>
+            <a:off x="3056819" y="2808198"/>
+            <a:ext cx="397866" cy="253916"/>
+          </a:xfrm>
+          <a:prstGeom prst="rect">
+            <a:avLst/>
+          </a:prstGeom>
+          <a:noFill/>
+        </p:spPr>
+        <p:txBody>
+          <a:bodyPr wrap="none" rtlCol="0">
+            <a:spAutoFit/>
+          </a:bodyPr>
+          <a:lstStyle/>
+          <a:p>
+            <a:r>
+              <a:rPr lang="en-US" sz="1050" dirty="0"/>
+              <a:t>-0.1</a:t>
+            </a:r>
+          </a:p>
+        </p:txBody>
+      </p:sp>
+      <p:sp>
+        <p:nvSpPr>
+          <p:cNvPr id="120" name="TextBox 119">
+            <a:extLst>
+              <a:ext uri="{FF2B5EF4-FFF2-40B4-BE49-F238E27FC236}">
+                <a16:creationId xmlns:a16="http://schemas.microsoft.com/office/drawing/2014/main" id="{B30A28D8-19D3-1D43-854B-C39EC0B26F92}"/>
+              </a:ext>
+            </a:extLst>
+          </p:cNvPr>
+          <p:cNvSpPr txBox="1"/>
+          <p:nvPr/>
+        </p:nvSpPr>
+        <p:spPr>
+          <a:xfrm>
+            <a:off x="3344367" y="2808198"/>
+            <a:ext cx="397866" cy="253916"/>
+          </a:xfrm>
+          <a:prstGeom prst="rect">
+            <a:avLst/>
+          </a:prstGeom>
+          <a:noFill/>
+        </p:spPr>
+        <p:txBody>
+          <a:bodyPr wrap="none" rtlCol="0">
+            <a:spAutoFit/>
+          </a:bodyPr>
+          <a:lstStyle/>
+          <a:p>
+            <a:r>
+              <a:rPr lang="en-US" sz="1050" dirty="0"/>
+              <a:t>-0.9</a:t>
+            </a:r>
           </a:p>
         </p:txBody>
       </p:sp>
@@ -6871,6 +7536,60 @@
                                   </p:childTnLst>
                                 </p:cTn>
                               </p:par>
+                              <p:par>
+                                <p:cTn id="7" presetID="1" presetClass="entr" presetSubtype="0" fill="hold" grpId="0" nodeType="withEffect">
+                                  <p:stCondLst>
+                                    <p:cond delay="0"/>
+                                  </p:stCondLst>
+                                  <p:childTnLst>
+                                    <p:set>
+                                      <p:cBhvr>
+                                        <p:cTn id="8" dur="1" fill="hold">
+                                          <p:stCondLst>
+                                            <p:cond delay="0"/>
+                                          </p:stCondLst>
+                                        </p:cTn>
+                                        <p:tgtEl>
+                                          <p:spTgt spid="121"/>
+                                        </p:tgtEl>
+                                        <p:attrNameLst>
+                                          <p:attrName>style.visibility</p:attrName>
+                                        </p:attrNameLst>
+                                      </p:cBhvr>
+                                      <p:to>
+                                        <p:strVal val="visible"/>
+                                      </p:to>
+                                    </p:set>
+                                  </p:childTnLst>
+                                </p:cTn>
+                              </p:par>
+                              <p:par>
+                                <p:cTn id="9" presetID="1" presetClass="exit" presetSubtype="0" fill="hold" grpId="0" nodeType="withEffect">
+                                  <p:stCondLst>
+                                    <p:cond delay="0"/>
+                                  </p:stCondLst>
+                                  <p:childTnLst>
+                                    <p:set>
+                                      <p:cBhvr>
+                                        <p:cTn id="10" dur="1" fill="hold">
+                                          <p:stCondLst>
+                                            <p:cond delay="0"/>
+                                          </p:stCondLst>
+                                        </p:cTn>
+                                        <p:tgtEl>
+                                          <p:spTgt spid="104"/>
+                                        </p:tgtEl>
+                                        <p:attrNameLst>
+                                          <p:attrName>style.visibility</p:attrName>
+                                        </p:attrNameLst>
+                                      </p:cBhvr>
+                                      <p:to>
+                                        <p:strVal val="hidden"/>
+                                      </p:to>
+                                    </p:set>
+                                  </p:childTnLst>
+                                </p:cTn>
+                              </p:par>
                             </p:childTnLst>
                           </p:cTn>
                         </p:par>
@@ -6899,6 +7618,8 @@
       </p:par>
     </p:tnLst>
     <p:bldLst>
+      <p:bldP spid="121" grpId="0"/>
+      <p:bldP spid="104" grpId="0"/>
       <p:bldP spid="106" grpId="0" animBg="1"/>
     </p:bldLst>
   </p:timing>
@@ -6922,6 +7643,41 @@
           <a:chExt cx="0" cy="0"/>
         </a:xfrm>
       </p:grpSpPr>
+      <p:sp>
+        <p:nvSpPr>
+          <p:cNvPr id="125" name="TextBox 124">
+            <a:extLst>
+              <a:ext uri="{FF2B5EF4-FFF2-40B4-BE49-F238E27FC236}">
+                <a16:creationId xmlns:a16="http://schemas.microsoft.com/office/drawing/2014/main" id="{5E644744-0BCE-8A42-9256-DC8CC888D6EC}"/>
+              </a:ext>
+            </a:extLst>
+          </p:cNvPr>
+          <p:cNvSpPr txBox="1"/>
+          <p:nvPr/>
+        </p:nvSpPr>
+        <p:spPr>
+          <a:xfrm>
+            <a:off x="1676827" y="1428808"/>
+            <a:ext cx="3213316" cy="369332"/>
+          </a:xfrm>
+          <a:prstGeom prst="rect">
+            <a:avLst/>
+          </a:prstGeom>
+          <a:noFill/>
+        </p:spPr>
+        <p:txBody>
+          <a:bodyPr wrap="none" rtlCol="0">
+            <a:spAutoFit/>
+          </a:bodyPr>
+          <a:lstStyle/>
+          <a:p>
+            <a:r>
+              <a:rPr lang="en-US" dirty="0"/>
+              <a:t>Extrapolate and update distance</a:t>
+            </a:r>
+          </a:p>
+        </p:txBody>
+      </p:sp>
       <p:sp>
         <p:nvSpPr>
           <p:cNvPr id="55" name="Rectangle 54">
@@ -10007,7 +10763,7 @@
         <p:spPr>
           <a:xfrm>
             <a:off x="1676827" y="1428808"/>
-            <a:ext cx="772071" cy="369332"/>
+            <a:ext cx="2842766" cy="369332"/>
           </a:xfrm>
           <a:prstGeom prst="rect">
             <a:avLst/>
@@ -10020,16 +10776,10 @@
           </a:bodyPr>
           <a:lstStyle/>
           <a:p>
-            <a:pPr algn="ctr"/>
             <a:r>
               <a:rPr lang="en-US" dirty="0"/>
-              <a:t>Step </a:t>
-            </a:r>
-            <a:r>
-              <a:rPr lang="en-US" altLang="zh-CN" dirty="0"/>
-              <a:t>2</a:t>
-            </a:r>
-            <a:endParaRPr lang="en-US" dirty="0"/>
+              <a:t>Consider far neighbor nodes</a:t>
+            </a:r>
           </a:p>
         </p:txBody>
       </p:sp>
@@ -10138,6 +10888,782 @@
           <a:p>
             <a:pPr algn="ctr"/>
             <a:endParaRPr lang="en-US"/>
+          </a:p>
+        </p:txBody>
+      </p:sp>
+      <p:sp>
+        <p:nvSpPr>
+          <p:cNvPr id="95" name="TextBox 94">
+            <a:extLst>
+              <a:ext uri="{FF2B5EF4-FFF2-40B4-BE49-F238E27FC236}">
+                <a16:creationId xmlns:a16="http://schemas.microsoft.com/office/drawing/2014/main" id="{A633E036-ED3D-5946-B941-10A10C4FA041}"/>
+              </a:ext>
+            </a:extLst>
+          </p:cNvPr>
+          <p:cNvSpPr txBox="1"/>
+          <p:nvPr/>
+        </p:nvSpPr>
+        <p:spPr>
+          <a:xfrm>
+            <a:off x="3673593" y="1983156"/>
+            <a:ext cx="364202" cy="261610"/>
+          </a:xfrm>
+          <a:prstGeom prst="rect">
+            <a:avLst/>
+          </a:prstGeom>
+          <a:noFill/>
+        </p:spPr>
+        <p:txBody>
+          <a:bodyPr wrap="none" rtlCol="0">
+            <a:spAutoFit/>
+          </a:bodyPr>
+          <a:lstStyle/>
+          <a:p>
+            <a:r>
+              <a:rPr lang="en-US" sz="1050" dirty="0"/>
+              <a:t>0.3</a:t>
+            </a:r>
+          </a:p>
+        </p:txBody>
+      </p:sp>
+      <p:sp>
+        <p:nvSpPr>
+          <p:cNvPr id="105" name="TextBox 104">
+            <a:extLst>
+              <a:ext uri="{FF2B5EF4-FFF2-40B4-BE49-F238E27FC236}">
+                <a16:creationId xmlns:a16="http://schemas.microsoft.com/office/drawing/2014/main" id="{335B360D-8FB4-924A-8B04-062D465F03AF}"/>
+              </a:ext>
+            </a:extLst>
+          </p:cNvPr>
+          <p:cNvSpPr txBox="1"/>
+          <p:nvPr/>
+        </p:nvSpPr>
+        <p:spPr>
+          <a:xfrm>
+            <a:off x="3386045" y="1983156"/>
+            <a:ext cx="356188" cy="253916"/>
+          </a:xfrm>
+          <a:prstGeom prst="rect">
+            <a:avLst/>
+          </a:prstGeom>
+          <a:noFill/>
+        </p:spPr>
+        <p:txBody>
+          <a:bodyPr wrap="none" rtlCol="0">
+            <a:spAutoFit/>
+          </a:bodyPr>
+          <a:lstStyle/>
+          <a:p>
+            <a:r>
+              <a:rPr lang="en-US" sz="1050" dirty="0"/>
+              <a:t>0.5</a:t>
+            </a:r>
+          </a:p>
+        </p:txBody>
+      </p:sp>
+      <p:sp>
+        <p:nvSpPr>
+          <p:cNvPr id="107" name="TextBox 106">
+            <a:extLst>
+              <a:ext uri="{FF2B5EF4-FFF2-40B4-BE49-F238E27FC236}">
+                <a16:creationId xmlns:a16="http://schemas.microsoft.com/office/drawing/2014/main" id="{9E517821-B533-6F49-967F-C8970F6811C5}"/>
+              </a:ext>
+            </a:extLst>
+          </p:cNvPr>
+          <p:cNvSpPr txBox="1"/>
+          <p:nvPr/>
+        </p:nvSpPr>
+        <p:spPr>
+          <a:xfrm>
+            <a:off x="3098497" y="1983156"/>
+            <a:ext cx="356188" cy="253916"/>
+          </a:xfrm>
+          <a:prstGeom prst="rect">
+            <a:avLst/>
+          </a:prstGeom>
+          <a:noFill/>
+        </p:spPr>
+        <p:txBody>
+          <a:bodyPr wrap="none" rtlCol="0">
+            <a:spAutoFit/>
+          </a:bodyPr>
+          <a:lstStyle/>
+          <a:p>
+            <a:r>
+              <a:rPr lang="en-US" sz="1050" dirty="0"/>
+              <a:t>0.9</a:t>
+            </a:r>
+          </a:p>
+        </p:txBody>
+      </p:sp>
+      <p:sp>
+        <p:nvSpPr>
+          <p:cNvPr id="108" name="TextBox 107">
+            <a:extLst>
+              <a:ext uri="{FF2B5EF4-FFF2-40B4-BE49-F238E27FC236}">
+                <a16:creationId xmlns:a16="http://schemas.microsoft.com/office/drawing/2014/main" id="{F4677DCB-D6A5-9D41-B7B7-B1729CB698BF}"/>
+              </a:ext>
+            </a:extLst>
+          </p:cNvPr>
+          <p:cNvSpPr txBox="1"/>
+          <p:nvPr/>
+        </p:nvSpPr>
+        <p:spPr>
+          <a:xfrm>
+            <a:off x="3947000" y="2259849"/>
+            <a:ext cx="397866" cy="253916"/>
+          </a:xfrm>
+          <a:prstGeom prst="rect">
+            <a:avLst/>
+          </a:prstGeom>
+          <a:noFill/>
+        </p:spPr>
+        <p:txBody>
+          <a:bodyPr wrap="none" rtlCol="0">
+            <a:spAutoFit/>
+          </a:bodyPr>
+          <a:lstStyle/>
+          <a:p>
+            <a:r>
+              <a:rPr lang="en-US" sz="1050" dirty="0"/>
+              <a:t>-0.4</a:t>
+            </a:r>
+          </a:p>
+        </p:txBody>
+      </p:sp>
+      <p:sp>
+        <p:nvSpPr>
+          <p:cNvPr id="109" name="TextBox 108">
+            <a:extLst>
+              <a:ext uri="{FF2B5EF4-FFF2-40B4-BE49-F238E27FC236}">
+                <a16:creationId xmlns:a16="http://schemas.microsoft.com/office/drawing/2014/main" id="{1A54AFD7-7E22-764A-95DD-09644BED0E39}"/>
+              </a:ext>
+            </a:extLst>
+          </p:cNvPr>
+          <p:cNvSpPr txBox="1"/>
+          <p:nvPr/>
+        </p:nvSpPr>
+        <p:spPr>
+          <a:xfrm>
+            <a:off x="3639929" y="2259849"/>
+            <a:ext cx="397866" cy="253916"/>
+          </a:xfrm>
+          <a:prstGeom prst="rect">
+            <a:avLst/>
+          </a:prstGeom>
+          <a:noFill/>
+        </p:spPr>
+        <p:txBody>
+          <a:bodyPr wrap="none" rtlCol="0">
+            <a:spAutoFit/>
+          </a:bodyPr>
+          <a:lstStyle/>
+          <a:p>
+            <a:r>
+              <a:rPr lang="en-US" sz="1050" dirty="0"/>
+              <a:t>-0.1</a:t>
+            </a:r>
+          </a:p>
+        </p:txBody>
+      </p:sp>
+      <p:sp>
+        <p:nvSpPr>
+          <p:cNvPr id="110" name="TextBox 109">
+            <a:extLst>
+              <a:ext uri="{FF2B5EF4-FFF2-40B4-BE49-F238E27FC236}">
+                <a16:creationId xmlns:a16="http://schemas.microsoft.com/office/drawing/2014/main" id="{CF69787C-6BB9-BD4E-AEFF-B81BF6E800EE}"/>
+              </a:ext>
+            </a:extLst>
+          </p:cNvPr>
+          <p:cNvSpPr txBox="1"/>
+          <p:nvPr/>
+        </p:nvSpPr>
+        <p:spPr>
+          <a:xfrm>
+            <a:off x="3098497" y="2259849"/>
+            <a:ext cx="356188" cy="253916"/>
+          </a:xfrm>
+          <a:prstGeom prst="rect">
+            <a:avLst/>
+          </a:prstGeom>
+          <a:noFill/>
+        </p:spPr>
+        <p:txBody>
+          <a:bodyPr wrap="none" rtlCol="0">
+            <a:spAutoFit/>
+          </a:bodyPr>
+          <a:lstStyle/>
+          <a:p>
+            <a:r>
+              <a:rPr lang="en-US" sz="1050" dirty="0"/>
+              <a:t>0.2</a:t>
+            </a:r>
+          </a:p>
+        </p:txBody>
+      </p:sp>
+      <p:sp>
+        <p:nvSpPr>
+          <p:cNvPr id="111" name="TextBox 110">
+            <a:extLst>
+              <a:ext uri="{FF2B5EF4-FFF2-40B4-BE49-F238E27FC236}">
+                <a16:creationId xmlns:a16="http://schemas.microsoft.com/office/drawing/2014/main" id="{FE5D02AD-D3DE-7F4B-8716-52BBD09007DD}"/>
+              </a:ext>
+            </a:extLst>
+          </p:cNvPr>
+          <p:cNvSpPr txBox="1"/>
+          <p:nvPr/>
+        </p:nvSpPr>
+        <p:spPr>
+          <a:xfrm>
+            <a:off x="2814132" y="2259849"/>
+            <a:ext cx="356188" cy="253916"/>
+          </a:xfrm>
+          <a:prstGeom prst="rect">
+            <a:avLst/>
+          </a:prstGeom>
+          <a:noFill/>
+        </p:spPr>
+        <p:txBody>
+          <a:bodyPr wrap="none" rtlCol="0">
+            <a:spAutoFit/>
+          </a:bodyPr>
+          <a:lstStyle/>
+          <a:p>
+            <a:r>
+              <a:rPr lang="en-US" sz="1050" dirty="0"/>
+              <a:t>0.7</a:t>
+            </a:r>
+          </a:p>
+        </p:txBody>
+      </p:sp>
+      <p:sp>
+        <p:nvSpPr>
+          <p:cNvPr id="112" name="TextBox 111">
+            <a:extLst>
+              <a:ext uri="{FF2B5EF4-FFF2-40B4-BE49-F238E27FC236}">
+                <a16:creationId xmlns:a16="http://schemas.microsoft.com/office/drawing/2014/main" id="{956C5641-639E-8444-9DAC-F18857112FD9}"/>
+              </a:ext>
+            </a:extLst>
+          </p:cNvPr>
+          <p:cNvSpPr txBox="1"/>
+          <p:nvPr/>
+        </p:nvSpPr>
+        <p:spPr>
+          <a:xfrm>
+            <a:off x="2531892" y="2526983"/>
+            <a:ext cx="356188" cy="253916"/>
+          </a:xfrm>
+          <a:prstGeom prst="rect">
+            <a:avLst/>
+          </a:prstGeom>
+          <a:noFill/>
+        </p:spPr>
+        <p:txBody>
+          <a:bodyPr wrap="none" rtlCol="0">
+            <a:spAutoFit/>
+          </a:bodyPr>
+          <a:lstStyle/>
+          <a:p>
+            <a:r>
+              <a:rPr lang="en-US" sz="1050" dirty="0"/>
+              <a:t>0.9</a:t>
+            </a:r>
+          </a:p>
+        </p:txBody>
+      </p:sp>
+      <p:sp>
+        <p:nvSpPr>
+          <p:cNvPr id="113" name="TextBox 112">
+            <a:extLst>
+              <a:ext uri="{FF2B5EF4-FFF2-40B4-BE49-F238E27FC236}">
+                <a16:creationId xmlns:a16="http://schemas.microsoft.com/office/drawing/2014/main" id="{F50DA9DF-C825-F241-A299-A6F37B32D7AC}"/>
+              </a:ext>
+            </a:extLst>
+          </p:cNvPr>
+          <p:cNvSpPr txBox="1"/>
+          <p:nvPr/>
+        </p:nvSpPr>
+        <p:spPr>
+          <a:xfrm>
+            <a:off x="2814132" y="2526983"/>
+            <a:ext cx="356188" cy="253916"/>
+          </a:xfrm>
+          <a:prstGeom prst="rect">
+            <a:avLst/>
+          </a:prstGeom>
+          <a:noFill/>
+        </p:spPr>
+        <p:txBody>
+          <a:bodyPr wrap="none" rtlCol="0">
+            <a:spAutoFit/>
+          </a:bodyPr>
+          <a:lstStyle/>
+          <a:p>
+            <a:r>
+              <a:rPr lang="en-US" sz="1050" dirty="0"/>
+              <a:t>0.1</a:t>
+            </a:r>
+          </a:p>
+        </p:txBody>
+      </p:sp>
+      <p:sp>
+        <p:nvSpPr>
+          <p:cNvPr id="114" name="TextBox 113">
+            <a:extLst>
+              <a:ext uri="{FF2B5EF4-FFF2-40B4-BE49-F238E27FC236}">
+                <a16:creationId xmlns:a16="http://schemas.microsoft.com/office/drawing/2014/main" id="{62E53E11-AEB8-F74E-8E50-43F63B23C03A}"/>
+              </a:ext>
+            </a:extLst>
+          </p:cNvPr>
+          <p:cNvSpPr txBox="1"/>
+          <p:nvPr/>
+        </p:nvSpPr>
+        <p:spPr>
+          <a:xfrm>
+            <a:off x="3344367" y="2526983"/>
+            <a:ext cx="397866" cy="253916"/>
+          </a:xfrm>
+          <a:prstGeom prst="rect">
+            <a:avLst/>
+          </a:prstGeom>
+          <a:noFill/>
+        </p:spPr>
+        <p:txBody>
+          <a:bodyPr wrap="none" rtlCol="0">
+            <a:spAutoFit/>
+          </a:bodyPr>
+          <a:lstStyle/>
+          <a:p>
+            <a:r>
+              <a:rPr lang="en-US" sz="1050" dirty="0"/>
+              <a:t>-0.4</a:t>
+            </a:r>
+          </a:p>
+        </p:txBody>
+      </p:sp>
+      <p:sp>
+        <p:nvSpPr>
+          <p:cNvPr id="115" name="TextBox 114">
+            <a:extLst>
+              <a:ext uri="{FF2B5EF4-FFF2-40B4-BE49-F238E27FC236}">
+                <a16:creationId xmlns:a16="http://schemas.microsoft.com/office/drawing/2014/main" id="{E4B27616-9E43-244D-80BF-BF1CC38843DA}"/>
+              </a:ext>
+            </a:extLst>
+          </p:cNvPr>
+          <p:cNvSpPr txBox="1"/>
+          <p:nvPr/>
+        </p:nvSpPr>
+        <p:spPr>
+          <a:xfrm>
+            <a:off x="3639929" y="2526983"/>
+            <a:ext cx="397866" cy="253916"/>
+          </a:xfrm>
+          <a:prstGeom prst="rect">
+            <a:avLst/>
+          </a:prstGeom>
+          <a:noFill/>
+        </p:spPr>
+        <p:txBody>
+          <a:bodyPr wrap="none" rtlCol="0">
+            <a:spAutoFit/>
+          </a:bodyPr>
+          <a:lstStyle/>
+          <a:p>
+            <a:r>
+              <a:rPr lang="en-US" sz="1050" dirty="0"/>
+              <a:t>-0.9</a:t>
+            </a:r>
+          </a:p>
+        </p:txBody>
+      </p:sp>
+      <p:sp>
+        <p:nvSpPr>
+          <p:cNvPr id="116" name="TextBox 115">
+            <a:extLst>
+              <a:ext uri="{FF2B5EF4-FFF2-40B4-BE49-F238E27FC236}">
+                <a16:creationId xmlns:a16="http://schemas.microsoft.com/office/drawing/2014/main" id="{CFEE33FB-E5A9-A642-B48D-E1E964F149E5}"/>
+              </a:ext>
+            </a:extLst>
+          </p:cNvPr>
+          <p:cNvSpPr txBox="1"/>
+          <p:nvPr/>
+        </p:nvSpPr>
+        <p:spPr>
+          <a:xfrm>
+            <a:off x="2531892" y="2808198"/>
+            <a:ext cx="356188" cy="253916"/>
+          </a:xfrm>
+          <a:prstGeom prst="rect">
+            <a:avLst/>
+          </a:prstGeom>
+          <a:noFill/>
+        </p:spPr>
+        <p:txBody>
+          <a:bodyPr wrap="none" rtlCol="0">
+            <a:spAutoFit/>
+          </a:bodyPr>
+          <a:lstStyle/>
+          <a:p>
+            <a:r>
+              <a:rPr lang="en-US" sz="1050" dirty="0"/>
+              <a:t>0.8</a:t>
+            </a:r>
+          </a:p>
+        </p:txBody>
+      </p:sp>
+      <p:sp>
+        <p:nvSpPr>
+          <p:cNvPr id="117" name="TextBox 116">
+            <a:extLst>
+              <a:ext uri="{FF2B5EF4-FFF2-40B4-BE49-F238E27FC236}">
+                <a16:creationId xmlns:a16="http://schemas.microsoft.com/office/drawing/2014/main" id="{BEAC02DA-DAFD-5A44-9A65-A714BD82A3C3}"/>
+              </a:ext>
+            </a:extLst>
+          </p:cNvPr>
+          <p:cNvSpPr txBox="1"/>
+          <p:nvPr/>
+        </p:nvSpPr>
+        <p:spPr>
+          <a:xfrm>
+            <a:off x="2531892" y="3089413"/>
+            <a:ext cx="356188" cy="253916"/>
+          </a:xfrm>
+          <a:prstGeom prst="rect">
+            <a:avLst/>
+          </a:prstGeom>
+          <a:noFill/>
+        </p:spPr>
+        <p:txBody>
+          <a:bodyPr wrap="none" rtlCol="0">
+            <a:spAutoFit/>
+          </a:bodyPr>
+          <a:lstStyle/>
+          <a:p>
+            <a:r>
+              <a:rPr lang="en-US" sz="1050" dirty="0"/>
+              <a:t>0.5</a:t>
+            </a:r>
+          </a:p>
+        </p:txBody>
+      </p:sp>
+      <p:sp>
+        <p:nvSpPr>
+          <p:cNvPr id="118" name="TextBox 117">
+            <a:extLst>
+              <a:ext uri="{FF2B5EF4-FFF2-40B4-BE49-F238E27FC236}">
+                <a16:creationId xmlns:a16="http://schemas.microsoft.com/office/drawing/2014/main" id="{C004563A-BEF2-1942-874E-593D67B87BE7}"/>
+              </a:ext>
+            </a:extLst>
+          </p:cNvPr>
+          <p:cNvSpPr txBox="1"/>
+          <p:nvPr/>
+        </p:nvSpPr>
+        <p:spPr>
+          <a:xfrm>
+            <a:off x="2531892" y="3370628"/>
+            <a:ext cx="356188" cy="253916"/>
+          </a:xfrm>
+          <a:prstGeom prst="rect">
+            <a:avLst/>
+          </a:prstGeom>
+          <a:noFill/>
+        </p:spPr>
+        <p:txBody>
+          <a:bodyPr wrap="none" rtlCol="0">
+            <a:spAutoFit/>
+          </a:bodyPr>
+          <a:lstStyle/>
+          <a:p>
+            <a:r>
+              <a:rPr lang="en-US" sz="1050" dirty="0"/>
+              <a:t>0.3</a:t>
+            </a:r>
+          </a:p>
+        </p:txBody>
+      </p:sp>
+      <p:sp>
+        <p:nvSpPr>
+          <p:cNvPr id="119" name="TextBox 118">
+            <a:extLst>
+              <a:ext uri="{FF2B5EF4-FFF2-40B4-BE49-F238E27FC236}">
+                <a16:creationId xmlns:a16="http://schemas.microsoft.com/office/drawing/2014/main" id="{864F2C48-FD9A-D44A-986A-8A0F682A56C6}"/>
+              </a:ext>
+            </a:extLst>
+          </p:cNvPr>
+          <p:cNvSpPr txBox="1"/>
+          <p:nvPr/>
+        </p:nvSpPr>
+        <p:spPr>
+          <a:xfrm>
+            <a:off x="3056819" y="3370628"/>
+            <a:ext cx="397866" cy="253916"/>
+          </a:xfrm>
+          <a:prstGeom prst="rect">
+            <a:avLst/>
+          </a:prstGeom>
+          <a:noFill/>
+        </p:spPr>
+        <p:txBody>
+          <a:bodyPr wrap="none" rtlCol="0">
+            <a:spAutoFit/>
+          </a:bodyPr>
+          <a:lstStyle/>
+          <a:p>
+            <a:r>
+              <a:rPr lang="en-US" sz="1050" dirty="0"/>
+              <a:t>-0.6</a:t>
+            </a:r>
+          </a:p>
+        </p:txBody>
+      </p:sp>
+      <p:sp>
+        <p:nvSpPr>
+          <p:cNvPr id="120" name="TextBox 119">
+            <a:extLst>
+              <a:ext uri="{FF2B5EF4-FFF2-40B4-BE49-F238E27FC236}">
+                <a16:creationId xmlns:a16="http://schemas.microsoft.com/office/drawing/2014/main" id="{2CC458EF-5DBE-6C4F-A404-16C8C3BC7B36}"/>
+              </a:ext>
+            </a:extLst>
+          </p:cNvPr>
+          <p:cNvSpPr txBox="1"/>
+          <p:nvPr/>
+        </p:nvSpPr>
+        <p:spPr>
+          <a:xfrm>
+            <a:off x="3056819" y="3090409"/>
+            <a:ext cx="397866" cy="253916"/>
+          </a:xfrm>
+          <a:prstGeom prst="rect">
+            <a:avLst/>
+          </a:prstGeom>
+          <a:noFill/>
+        </p:spPr>
+        <p:txBody>
+          <a:bodyPr wrap="none" rtlCol="0">
+            <a:spAutoFit/>
+          </a:bodyPr>
+          <a:lstStyle/>
+          <a:p>
+            <a:r>
+              <a:rPr lang="en-US" sz="1050" dirty="0"/>
+              <a:t>-0.5</a:t>
+            </a:r>
+          </a:p>
+        </p:txBody>
+      </p:sp>
+      <p:sp>
+        <p:nvSpPr>
+          <p:cNvPr id="121" name="TextBox 120">
+            <a:extLst>
+              <a:ext uri="{FF2B5EF4-FFF2-40B4-BE49-F238E27FC236}">
+                <a16:creationId xmlns:a16="http://schemas.microsoft.com/office/drawing/2014/main" id="{603FDC9B-A09F-E04B-8921-6956FBB9D8F6}"/>
+              </a:ext>
+            </a:extLst>
+          </p:cNvPr>
+          <p:cNvSpPr txBox="1"/>
+          <p:nvPr/>
+        </p:nvSpPr>
+        <p:spPr>
+          <a:xfrm>
+            <a:off x="3056819" y="2808198"/>
+            <a:ext cx="397866" cy="253916"/>
+          </a:xfrm>
+          <a:prstGeom prst="rect">
+            <a:avLst/>
+          </a:prstGeom>
+          <a:noFill/>
+        </p:spPr>
+        <p:txBody>
+          <a:bodyPr wrap="none" rtlCol="0">
+            <a:spAutoFit/>
+          </a:bodyPr>
+          <a:lstStyle/>
+          <a:p>
+            <a:r>
+              <a:rPr lang="en-US" sz="1050" dirty="0"/>
+              <a:t>-0.1</a:t>
+            </a:r>
+          </a:p>
+        </p:txBody>
+      </p:sp>
+      <p:sp>
+        <p:nvSpPr>
+          <p:cNvPr id="122" name="TextBox 121">
+            <a:extLst>
+              <a:ext uri="{FF2B5EF4-FFF2-40B4-BE49-F238E27FC236}">
+                <a16:creationId xmlns:a16="http://schemas.microsoft.com/office/drawing/2014/main" id="{A5EB4C27-7E58-3E44-82A5-BC58A59AD82D}"/>
+              </a:ext>
+            </a:extLst>
+          </p:cNvPr>
+          <p:cNvSpPr txBox="1"/>
+          <p:nvPr/>
+        </p:nvSpPr>
+        <p:spPr>
+          <a:xfrm>
+            <a:off x="3344367" y="2808198"/>
+            <a:ext cx="397866" cy="253916"/>
+          </a:xfrm>
+          <a:prstGeom prst="rect">
+            <a:avLst/>
+          </a:prstGeom>
+          <a:noFill/>
+        </p:spPr>
+        <p:txBody>
+          <a:bodyPr wrap="none" rtlCol="0">
+            <a:spAutoFit/>
+          </a:bodyPr>
+          <a:lstStyle/>
+          <a:p>
+            <a:r>
+              <a:rPr lang="en-US" sz="1050" dirty="0"/>
+              <a:t>-0.9</a:t>
+            </a:r>
+          </a:p>
+        </p:txBody>
+      </p:sp>
+      <p:cxnSp>
+        <p:nvCxnSpPr>
+          <p:cNvPr id="3" name="Straight Connector 2">
+            <a:extLst>
+              <a:ext uri="{FF2B5EF4-FFF2-40B4-BE49-F238E27FC236}">
+                <a16:creationId xmlns:a16="http://schemas.microsoft.com/office/drawing/2014/main" id="{ACC64D51-4825-F44D-9E85-65C53E64EF95}"/>
+              </a:ext>
+            </a:extLst>
+          </p:cNvPr>
+          <p:cNvCxnSpPr>
+            <a:cxnSpLocks/>
+          </p:cNvCxnSpPr>
+          <p:nvPr/>
+        </p:nvCxnSpPr>
+        <p:spPr>
+          <a:xfrm flipH="1">
+            <a:off x="3723879" y="2543631"/>
+            <a:ext cx="227190" cy="223143"/>
+          </a:xfrm>
+          <a:prstGeom prst="line">
+            <a:avLst/>
+          </a:prstGeom>
+          <a:ln w="9525" cap="flat" cmpd="sng" algn="ctr">
+            <a:solidFill>
+              <a:schemeClr val="dk1"/>
+            </a:solidFill>
+            <a:prstDash val="dash"/>
+            <a:round/>
+            <a:headEnd type="none" w="med" len="med"/>
+            <a:tailEnd type="none" w="med" len="med"/>
+          </a:ln>
+        </p:spPr>
+        <p:style>
+          <a:lnRef idx="0">
+            <a:scrgbClr r="0" g="0" b="0"/>
+          </a:lnRef>
+          <a:fillRef idx="0">
+            <a:scrgbClr r="0" g="0" b="0"/>
+          </a:fillRef>
+          <a:effectRef idx="0">
+            <a:scrgbClr r="0" g="0" b="0"/>
+          </a:effectRef>
+          <a:fontRef idx="minor">
+            <a:schemeClr val="tx1"/>
+          </a:fontRef>
+        </p:style>
+      </p:cxnSp>
+      <p:cxnSp>
+        <p:nvCxnSpPr>
+          <p:cNvPr id="123" name="Straight Connector 122">
+            <a:extLst>
+              <a:ext uri="{FF2B5EF4-FFF2-40B4-BE49-F238E27FC236}">
+                <a16:creationId xmlns:a16="http://schemas.microsoft.com/office/drawing/2014/main" id="{FAA64FA0-3407-1B4A-BE38-211F379E6D38}"/>
+              </a:ext>
+            </a:extLst>
+          </p:cNvPr>
+          <p:cNvCxnSpPr>
+            <a:cxnSpLocks/>
+          </p:cNvCxnSpPr>
+          <p:nvPr/>
+        </p:nvCxnSpPr>
+        <p:spPr>
+          <a:xfrm>
+            <a:off x="3910015" y="2589367"/>
+            <a:ext cx="48485" cy="166594"/>
+          </a:xfrm>
+          <a:prstGeom prst="line">
+            <a:avLst/>
+          </a:prstGeom>
+          <a:ln w="9525" cap="flat" cmpd="sng" algn="ctr">
+            <a:solidFill>
+              <a:schemeClr val="dk1"/>
+            </a:solidFill>
+            <a:prstDash val="dash"/>
+            <a:round/>
+            <a:headEnd type="none" w="med" len="med"/>
+            <a:tailEnd type="none" w="med" len="med"/>
+          </a:ln>
+        </p:spPr>
+        <p:style>
+          <a:lnRef idx="0">
+            <a:scrgbClr r="0" g="0" b="0"/>
+          </a:lnRef>
+          <a:fillRef idx="0">
+            <a:scrgbClr r="0" g="0" b="0"/>
+          </a:fillRef>
+          <a:effectRef idx="0">
+            <a:scrgbClr r="0" g="0" b="0"/>
+          </a:effectRef>
+          <a:fontRef idx="minor">
+            <a:schemeClr val="tx1"/>
+          </a:fontRef>
+        </p:style>
+      </p:cxnSp>
+      <p:sp>
+        <p:nvSpPr>
+          <p:cNvPr id="124" name="TextBox 123">
+            <a:extLst>
+              <a:ext uri="{FF2B5EF4-FFF2-40B4-BE49-F238E27FC236}">
+                <a16:creationId xmlns:a16="http://schemas.microsoft.com/office/drawing/2014/main" id="{4EE3565A-CE05-1B48-940F-012EEB47EF9F}"/>
+              </a:ext>
+            </a:extLst>
+          </p:cNvPr>
+          <p:cNvSpPr txBox="1"/>
+          <p:nvPr/>
+        </p:nvSpPr>
+        <p:spPr>
+          <a:xfrm>
+            <a:off x="3947000" y="2526983"/>
+            <a:ext cx="397866" cy="253916"/>
+          </a:xfrm>
+          <a:prstGeom prst="rect">
+            <a:avLst/>
+          </a:prstGeom>
+          <a:noFill/>
+        </p:spPr>
+        <p:txBody>
+          <a:bodyPr wrap="none" rtlCol="0">
+            <a:spAutoFit/>
+          </a:bodyPr>
+          <a:lstStyle/>
+          <a:p>
+            <a:r>
+              <a:rPr lang="en-US" sz="1050" dirty="0">
+                <a:solidFill>
+                  <a:srgbClr val="92D050"/>
+                </a:solidFill>
+              </a:rPr>
+              <a:t>-</a:t>
+            </a:r>
+            <a:r>
+              <a:rPr lang="en-US" altLang="zh-CN" sz="1050" dirty="0">
+                <a:solidFill>
+                  <a:srgbClr val="92D050"/>
+                </a:solidFill>
+              </a:rPr>
+              <a:t>1.2</a:t>
+            </a:r>
+            <a:endParaRPr lang="en-US" sz="1050" dirty="0">
+              <a:solidFill>
+                <a:srgbClr val="92D050"/>
+              </a:solidFill>
+            </a:endParaRPr>
           </a:p>
         </p:txBody>
       </p:sp>
@@ -10172,7 +11698,7 @@
                             </p:stCondLst>
                             <p:childTnLst>
                               <p:par>
-                                <p:cTn id="5" presetID="1" presetClass="entr" presetSubtype="0" fill="hold" grpId="0" nodeType="clickEffect">
+                                <p:cTn id="5" presetID="1" presetClass="entr" presetSubtype="0" fill="hold" nodeType="clickEffect">
                                   <p:stCondLst>
                                     <p:cond delay="0"/>
                                   </p:stCondLst>
@@ -10185,7 +11711,7 @@
                                           </p:stCondLst>
                                         </p:cTn>
                                         <p:tgtEl>
-                                          <p:spTgt spid="92"/>
+                                          <p:spTgt spid="3"/>
                                         </p:tgtEl>
                                         <p:attrNameLst>
                                           <p:attrName>style.visibility</p:attrName>
@@ -10193,6 +11719,114 @@
                                       </p:cBhvr>
                                       <p:to>
                                         <p:strVal val="visible"/>
+                                      </p:to>
+                                    </p:set>
+                                  </p:childTnLst>
+                                </p:cTn>
+                              </p:par>
+                              <p:par>
+                                <p:cTn id="7" presetID="1" presetClass="entr" presetSubtype="0" fill="hold" grpId="0" nodeType="withEffect">
+                                  <p:stCondLst>
+                                    <p:cond delay="0"/>
+                                  </p:stCondLst>
+                                  <p:childTnLst>
+                                    <p:set>
+                                      <p:cBhvr>
+                                        <p:cTn id="8" dur="1" fill="hold">
+                                          <p:stCondLst>
+                                            <p:cond delay="0"/>
+                                          </p:stCondLst>
+                                        </p:cTn>
+                                        <p:tgtEl>
+                                          <p:spTgt spid="124"/>
+                                        </p:tgtEl>
+                                        <p:attrNameLst>
+                                          <p:attrName>style.visibility</p:attrName>
+                                        </p:attrNameLst>
+                                      </p:cBhvr>
+                                      <p:to>
+                                        <p:strVal val="visible"/>
+                                      </p:to>
+                                    </p:set>
+                                  </p:childTnLst>
+                                </p:cTn>
+                              </p:par>
+                              <p:par>
+                                <p:cTn id="9" presetID="1" presetClass="entr" presetSubtype="0" fill="hold" nodeType="withEffect">
+                                  <p:stCondLst>
+                                    <p:cond delay="0"/>
+                                  </p:stCondLst>
+                                  <p:childTnLst>
+                                    <p:set>
+                                      <p:cBhvr>
+                                        <p:cTn id="10" dur="1" fill="hold">
+                                          <p:stCondLst>
+                                            <p:cond delay="0"/>
+                                          </p:stCondLst>
+                                        </p:cTn>
+                                        <p:tgtEl>
+                                          <p:spTgt spid="123"/>
+                                        </p:tgtEl>
+                                        <p:attrNameLst>
+                                          <p:attrName>style.visibility</p:attrName>
+                                        </p:attrNameLst>
+                                      </p:cBhvr>
+                                      <p:to>
+                                        <p:strVal val="visible"/>
+                                      </p:to>
+                                    </p:set>
+                                  </p:childTnLst>
+                                </p:cTn>
+                              </p:par>
+                              <p:par>
+                                <p:cTn id="11" presetID="1" presetClass="entr" presetSubtype="0" fill="hold" grpId="0" nodeType="withEffect">
+                                  <p:stCondLst>
+                                    <p:cond delay="0"/>
+                                  </p:stCondLst>
+                                  <p:childTnLst>
+                                    <p:set>
+                                      <p:cBhvr>
+                                        <p:cTn id="12" dur="1" fill="hold">
+                                          <p:stCondLst>
+                                            <p:cond delay="0"/>
+                                          </p:stCondLst>
+                                        </p:cTn>
+                                        <p:tgtEl>
+                                          <p:spTgt spid="125"/>
+                                        </p:tgtEl>
+                                        <p:attrNameLst>
+                                          <p:attrName>style.visibility</p:attrName>
+                                        </p:attrNameLst>
+                                      </p:cBhvr>
+                                      <p:to>
+                                        <p:strVal val="visible"/>
+                                      </p:to>
+                                    </p:set>
+                                  </p:childTnLst>
+                                </p:cTn>
+                              </p:par>
+                              <p:par>
+                                <p:cTn id="13" presetID="1" presetClass="exit" presetSubtype="0" fill="hold" grpId="0" nodeType="withEffect">
+                                  <p:stCondLst>
+                                    <p:cond delay="0"/>
+                                  </p:stCondLst>
+                                  <p:childTnLst>
+                                    <p:set>
+                                      <p:cBhvr>
+                                        <p:cTn id="14" dur="1" fill="hold">
+                                          <p:stCondLst>
+                                            <p:cond delay="0"/>
+                                          </p:stCondLst>
+                                        </p:cTn>
+                                        <p:tgtEl>
+                                          <p:spTgt spid="104"/>
+                                        </p:tgtEl>
+                                        <p:attrNameLst>
+                                          <p:attrName>style.visibility</p:attrName>
+                                        </p:attrNameLst>
+                                      </p:cBhvr>
+                                      <p:to>
+                                        <p:strVal val="hidden"/>
                                       </p:to>
                                     </p:set>
                                   </p:childTnLst>
@@ -10226,13 +11860,725 @@
       </p:par>
     </p:tnLst>
     <p:bldLst>
-      <p:bldP spid="92" grpId="0" animBg="1"/>
+      <p:bldP spid="125" grpId="0"/>
+      <p:bldP spid="104" grpId="0"/>
+      <p:bldP spid="124" grpId="0"/>
     </p:bldLst>
   </p:timing>
 </p:sld>
 </file>
 
 <file path=ppt/slides/slide4.xml><?xml version="1.0" encoding="utf-8"?>
+<p:sld xmlns:a="http://schemas.openxmlformats.org/drawingml/2006/main" xmlns:r="http://schemas.openxmlformats.org/officeDocument/2006/relationships" xmlns:p="http://schemas.openxmlformats.org/presentationml/2006/main">
+  <p:cSld>
+    <p:spTree>
+      <p:nvGrpSpPr>
+        <p:cNvPr id="1" name=""/>
+        <p:cNvGrpSpPr/>
+        <p:nvPr/>
+      </p:nvGrpSpPr>
+      <p:grpSpPr>
+        <a:xfrm>
+          <a:off x="0" y="0"/>
+          <a:ext cx="0" cy="0"/>
+          <a:chOff x="0" y="0"/>
+          <a:chExt cx="0" cy="0"/>
+        </a:xfrm>
+      </p:grpSpPr>
+      <p:sp>
+        <p:nvSpPr>
+          <p:cNvPr id="2" name="Title 1">
+            <a:extLst>
+              <a:ext uri="{FF2B5EF4-FFF2-40B4-BE49-F238E27FC236}">
+                <a16:creationId xmlns:a16="http://schemas.microsoft.com/office/drawing/2014/main" id="{FCF0F32A-5FFE-7943-93D1-A83B9DDC3282}"/>
+              </a:ext>
+            </a:extLst>
+          </p:cNvPr>
+          <p:cNvSpPr>
+            <a:spLocks noGrp="1"/>
+          </p:cNvSpPr>
+          <p:nvPr>
+            <p:ph type="title"/>
+          </p:nvPr>
+        </p:nvSpPr>
+        <p:spPr/>
+        <p:txBody>
+          <a:bodyPr/>
+          <a:lstStyle/>
+          <a:p>
+            <a:endParaRPr lang="en-US"/>
+          </a:p>
+        </p:txBody>
+      </p:sp>
+      <p:sp>
+        <p:nvSpPr>
+          <p:cNvPr id="3" name="Content Placeholder 2">
+            <a:extLst>
+              <a:ext uri="{FF2B5EF4-FFF2-40B4-BE49-F238E27FC236}">
+                <a16:creationId xmlns:a16="http://schemas.microsoft.com/office/drawing/2014/main" id="{3630085F-C1DF-3243-8AD4-6633A179DD77}"/>
+              </a:ext>
+            </a:extLst>
+          </p:cNvPr>
+          <p:cNvSpPr>
+            <a:spLocks noGrp="1"/>
+          </p:cNvSpPr>
+          <p:nvPr>
+            <p:ph idx="1"/>
+          </p:nvPr>
+        </p:nvSpPr>
+        <p:spPr/>
+        <p:txBody>
+          <a:bodyPr/>
+          <a:lstStyle/>
+          <a:p>
+            <a:endParaRPr lang="en-US"/>
+          </a:p>
+        </p:txBody>
+      </p:sp>
+      <p:sp>
+        <p:nvSpPr>
+          <p:cNvPr id="6" name="TextBox 5">
+            <a:extLst>
+              <a:ext uri="{FF2B5EF4-FFF2-40B4-BE49-F238E27FC236}">
+                <a16:creationId xmlns:a16="http://schemas.microsoft.com/office/drawing/2014/main" id="{E8890182-8C17-8744-A224-C10B25603820}"/>
+              </a:ext>
+            </a:extLst>
+          </p:cNvPr>
+          <p:cNvSpPr txBox="1"/>
+          <p:nvPr/>
+        </p:nvSpPr>
+        <p:spPr>
+          <a:xfrm>
+            <a:off x="3673593" y="1983156"/>
+            <a:ext cx="364202" cy="261610"/>
+          </a:xfrm>
+          <a:prstGeom prst="rect">
+            <a:avLst/>
+          </a:prstGeom>
+          <a:noFill/>
+        </p:spPr>
+        <p:txBody>
+          <a:bodyPr wrap="none" rtlCol="0">
+            <a:spAutoFit/>
+          </a:bodyPr>
+          <a:lstStyle/>
+          <a:p>
+            <a:r>
+              <a:rPr lang="en-US" sz="1050" dirty="0"/>
+              <a:t>0.3</a:t>
+            </a:r>
+          </a:p>
+        </p:txBody>
+      </p:sp>
+      <p:sp>
+        <p:nvSpPr>
+          <p:cNvPr id="7" name="TextBox 6">
+            <a:extLst>
+              <a:ext uri="{FF2B5EF4-FFF2-40B4-BE49-F238E27FC236}">
+                <a16:creationId xmlns:a16="http://schemas.microsoft.com/office/drawing/2014/main" id="{C73D5D6C-A04A-214F-8BD6-A5A1FB4EECBC}"/>
+              </a:ext>
+            </a:extLst>
+          </p:cNvPr>
+          <p:cNvSpPr txBox="1"/>
+          <p:nvPr/>
+        </p:nvSpPr>
+        <p:spPr>
+          <a:xfrm>
+            <a:off x="3386045" y="1983156"/>
+            <a:ext cx="356188" cy="253916"/>
+          </a:xfrm>
+          <a:prstGeom prst="rect">
+            <a:avLst/>
+          </a:prstGeom>
+          <a:noFill/>
+        </p:spPr>
+        <p:txBody>
+          <a:bodyPr wrap="none" rtlCol="0">
+            <a:spAutoFit/>
+          </a:bodyPr>
+          <a:lstStyle/>
+          <a:p>
+            <a:r>
+              <a:rPr lang="en-US" sz="1050" dirty="0"/>
+              <a:t>0.5</a:t>
+            </a:r>
+          </a:p>
+        </p:txBody>
+      </p:sp>
+      <p:sp>
+        <p:nvSpPr>
+          <p:cNvPr id="8" name="TextBox 7">
+            <a:extLst>
+              <a:ext uri="{FF2B5EF4-FFF2-40B4-BE49-F238E27FC236}">
+                <a16:creationId xmlns:a16="http://schemas.microsoft.com/office/drawing/2014/main" id="{07EF862F-A575-CA45-B54A-A04E4B9FFBF9}"/>
+              </a:ext>
+            </a:extLst>
+          </p:cNvPr>
+          <p:cNvSpPr txBox="1"/>
+          <p:nvPr/>
+        </p:nvSpPr>
+        <p:spPr>
+          <a:xfrm>
+            <a:off x="3098497" y="1983156"/>
+            <a:ext cx="356188" cy="253916"/>
+          </a:xfrm>
+          <a:prstGeom prst="rect">
+            <a:avLst/>
+          </a:prstGeom>
+          <a:noFill/>
+        </p:spPr>
+        <p:txBody>
+          <a:bodyPr wrap="none" rtlCol="0">
+            <a:spAutoFit/>
+          </a:bodyPr>
+          <a:lstStyle/>
+          <a:p>
+            <a:r>
+              <a:rPr lang="en-US" sz="1050" dirty="0"/>
+              <a:t>0.9</a:t>
+            </a:r>
+          </a:p>
+        </p:txBody>
+      </p:sp>
+      <p:sp>
+        <p:nvSpPr>
+          <p:cNvPr id="9" name="TextBox 8">
+            <a:extLst>
+              <a:ext uri="{FF2B5EF4-FFF2-40B4-BE49-F238E27FC236}">
+                <a16:creationId xmlns:a16="http://schemas.microsoft.com/office/drawing/2014/main" id="{2278D6AD-9159-1749-8021-CAFE965BDF28}"/>
+              </a:ext>
+            </a:extLst>
+          </p:cNvPr>
+          <p:cNvSpPr txBox="1"/>
+          <p:nvPr/>
+        </p:nvSpPr>
+        <p:spPr>
+          <a:xfrm>
+            <a:off x="3947000" y="2259849"/>
+            <a:ext cx="397866" cy="253916"/>
+          </a:xfrm>
+          <a:prstGeom prst="rect">
+            <a:avLst/>
+          </a:prstGeom>
+          <a:noFill/>
+        </p:spPr>
+        <p:txBody>
+          <a:bodyPr wrap="none" rtlCol="0">
+            <a:spAutoFit/>
+          </a:bodyPr>
+          <a:lstStyle/>
+          <a:p>
+            <a:r>
+              <a:rPr lang="en-US" sz="1050" dirty="0"/>
+              <a:t>-0.4</a:t>
+            </a:r>
+          </a:p>
+        </p:txBody>
+      </p:sp>
+      <p:sp>
+        <p:nvSpPr>
+          <p:cNvPr id="10" name="TextBox 9">
+            <a:extLst>
+              <a:ext uri="{FF2B5EF4-FFF2-40B4-BE49-F238E27FC236}">
+                <a16:creationId xmlns:a16="http://schemas.microsoft.com/office/drawing/2014/main" id="{7D7E205D-8B81-334C-AB1E-CE0649B73622}"/>
+              </a:ext>
+            </a:extLst>
+          </p:cNvPr>
+          <p:cNvSpPr txBox="1"/>
+          <p:nvPr/>
+        </p:nvSpPr>
+        <p:spPr>
+          <a:xfrm>
+            <a:off x="3639929" y="2259849"/>
+            <a:ext cx="397866" cy="253916"/>
+          </a:xfrm>
+          <a:prstGeom prst="rect">
+            <a:avLst/>
+          </a:prstGeom>
+          <a:noFill/>
+        </p:spPr>
+        <p:txBody>
+          <a:bodyPr wrap="none" rtlCol="0">
+            <a:spAutoFit/>
+          </a:bodyPr>
+          <a:lstStyle/>
+          <a:p>
+            <a:r>
+              <a:rPr lang="en-US" sz="1050" dirty="0"/>
+              <a:t>-0.1</a:t>
+            </a:r>
+          </a:p>
+        </p:txBody>
+      </p:sp>
+      <p:sp>
+        <p:nvSpPr>
+          <p:cNvPr id="11" name="TextBox 10">
+            <a:extLst>
+              <a:ext uri="{FF2B5EF4-FFF2-40B4-BE49-F238E27FC236}">
+                <a16:creationId xmlns:a16="http://schemas.microsoft.com/office/drawing/2014/main" id="{CFCDE8E5-078B-4246-AC37-B3A88B868903}"/>
+              </a:ext>
+            </a:extLst>
+          </p:cNvPr>
+          <p:cNvSpPr txBox="1"/>
+          <p:nvPr/>
+        </p:nvSpPr>
+        <p:spPr>
+          <a:xfrm>
+            <a:off x="3098497" y="2259849"/>
+            <a:ext cx="356188" cy="253916"/>
+          </a:xfrm>
+          <a:prstGeom prst="rect">
+            <a:avLst/>
+          </a:prstGeom>
+          <a:noFill/>
+        </p:spPr>
+        <p:txBody>
+          <a:bodyPr wrap="none" rtlCol="0">
+            <a:spAutoFit/>
+          </a:bodyPr>
+          <a:lstStyle/>
+          <a:p>
+            <a:r>
+              <a:rPr lang="en-US" sz="1050" dirty="0"/>
+              <a:t>0.2</a:t>
+            </a:r>
+          </a:p>
+        </p:txBody>
+      </p:sp>
+      <p:sp>
+        <p:nvSpPr>
+          <p:cNvPr id="12" name="TextBox 11">
+            <a:extLst>
+              <a:ext uri="{FF2B5EF4-FFF2-40B4-BE49-F238E27FC236}">
+                <a16:creationId xmlns:a16="http://schemas.microsoft.com/office/drawing/2014/main" id="{8C05A8D6-E43E-9147-B8C5-FC7F8481952B}"/>
+              </a:ext>
+            </a:extLst>
+          </p:cNvPr>
+          <p:cNvSpPr txBox="1"/>
+          <p:nvPr/>
+        </p:nvSpPr>
+        <p:spPr>
+          <a:xfrm>
+            <a:off x="2814132" y="2259849"/>
+            <a:ext cx="356188" cy="253916"/>
+          </a:xfrm>
+          <a:prstGeom prst="rect">
+            <a:avLst/>
+          </a:prstGeom>
+          <a:noFill/>
+        </p:spPr>
+        <p:txBody>
+          <a:bodyPr wrap="none" rtlCol="0">
+            <a:spAutoFit/>
+          </a:bodyPr>
+          <a:lstStyle/>
+          <a:p>
+            <a:r>
+              <a:rPr lang="en-US" sz="1050" dirty="0"/>
+              <a:t>0.7</a:t>
+            </a:r>
+          </a:p>
+        </p:txBody>
+      </p:sp>
+      <p:sp>
+        <p:nvSpPr>
+          <p:cNvPr id="13" name="TextBox 12">
+            <a:extLst>
+              <a:ext uri="{FF2B5EF4-FFF2-40B4-BE49-F238E27FC236}">
+                <a16:creationId xmlns:a16="http://schemas.microsoft.com/office/drawing/2014/main" id="{EFC47E03-B2CD-7742-8120-A49E19BC2ABF}"/>
+              </a:ext>
+            </a:extLst>
+          </p:cNvPr>
+          <p:cNvSpPr txBox="1"/>
+          <p:nvPr/>
+        </p:nvSpPr>
+        <p:spPr>
+          <a:xfrm>
+            <a:off x="2531892" y="2526983"/>
+            <a:ext cx="356188" cy="253916"/>
+          </a:xfrm>
+          <a:prstGeom prst="rect">
+            <a:avLst/>
+          </a:prstGeom>
+          <a:noFill/>
+        </p:spPr>
+        <p:txBody>
+          <a:bodyPr wrap="none" rtlCol="0">
+            <a:spAutoFit/>
+          </a:bodyPr>
+          <a:lstStyle/>
+          <a:p>
+            <a:r>
+              <a:rPr lang="en-US" sz="1050" dirty="0"/>
+              <a:t>0.9</a:t>
+            </a:r>
+          </a:p>
+        </p:txBody>
+      </p:sp>
+      <p:sp>
+        <p:nvSpPr>
+          <p:cNvPr id="14" name="TextBox 13">
+            <a:extLst>
+              <a:ext uri="{FF2B5EF4-FFF2-40B4-BE49-F238E27FC236}">
+                <a16:creationId xmlns:a16="http://schemas.microsoft.com/office/drawing/2014/main" id="{648ED44E-2005-2F43-8D1E-BBDDDEC0B42A}"/>
+              </a:ext>
+            </a:extLst>
+          </p:cNvPr>
+          <p:cNvSpPr txBox="1"/>
+          <p:nvPr/>
+        </p:nvSpPr>
+        <p:spPr>
+          <a:xfrm>
+            <a:off x="2814132" y="2526983"/>
+            <a:ext cx="356188" cy="253916"/>
+          </a:xfrm>
+          <a:prstGeom prst="rect">
+            <a:avLst/>
+          </a:prstGeom>
+          <a:noFill/>
+        </p:spPr>
+        <p:txBody>
+          <a:bodyPr wrap="none" rtlCol="0">
+            <a:spAutoFit/>
+          </a:bodyPr>
+          <a:lstStyle/>
+          <a:p>
+            <a:r>
+              <a:rPr lang="en-US" sz="1050" dirty="0"/>
+              <a:t>0.1</a:t>
+            </a:r>
+          </a:p>
+        </p:txBody>
+      </p:sp>
+      <p:sp>
+        <p:nvSpPr>
+          <p:cNvPr id="15" name="TextBox 14">
+            <a:extLst>
+              <a:ext uri="{FF2B5EF4-FFF2-40B4-BE49-F238E27FC236}">
+                <a16:creationId xmlns:a16="http://schemas.microsoft.com/office/drawing/2014/main" id="{B0071EBD-BD0B-0A44-ABB1-34B1D8B2509B}"/>
+              </a:ext>
+            </a:extLst>
+          </p:cNvPr>
+          <p:cNvSpPr txBox="1"/>
+          <p:nvPr/>
+        </p:nvSpPr>
+        <p:spPr>
+          <a:xfrm>
+            <a:off x="3344367" y="2526983"/>
+            <a:ext cx="397866" cy="253916"/>
+          </a:xfrm>
+          <a:prstGeom prst="rect">
+            <a:avLst/>
+          </a:prstGeom>
+          <a:noFill/>
+        </p:spPr>
+        <p:txBody>
+          <a:bodyPr wrap="none" rtlCol="0">
+            <a:spAutoFit/>
+          </a:bodyPr>
+          <a:lstStyle/>
+          <a:p>
+            <a:r>
+              <a:rPr lang="en-US" sz="1050" dirty="0"/>
+              <a:t>-0.4</a:t>
+            </a:r>
+          </a:p>
+        </p:txBody>
+      </p:sp>
+      <p:sp>
+        <p:nvSpPr>
+          <p:cNvPr id="16" name="TextBox 15">
+            <a:extLst>
+              <a:ext uri="{FF2B5EF4-FFF2-40B4-BE49-F238E27FC236}">
+                <a16:creationId xmlns:a16="http://schemas.microsoft.com/office/drawing/2014/main" id="{41BAE539-F139-3B4C-8B56-40F79B0425C7}"/>
+              </a:ext>
+            </a:extLst>
+          </p:cNvPr>
+          <p:cNvSpPr txBox="1"/>
+          <p:nvPr/>
+        </p:nvSpPr>
+        <p:spPr>
+          <a:xfrm>
+            <a:off x="3639929" y="2526983"/>
+            <a:ext cx="397866" cy="253916"/>
+          </a:xfrm>
+          <a:prstGeom prst="rect">
+            <a:avLst/>
+          </a:prstGeom>
+          <a:noFill/>
+        </p:spPr>
+        <p:txBody>
+          <a:bodyPr wrap="none" rtlCol="0">
+            <a:spAutoFit/>
+          </a:bodyPr>
+          <a:lstStyle/>
+          <a:p>
+            <a:r>
+              <a:rPr lang="en-US" sz="1050" dirty="0"/>
+              <a:t>-0.9</a:t>
+            </a:r>
+          </a:p>
+        </p:txBody>
+      </p:sp>
+      <p:sp>
+        <p:nvSpPr>
+          <p:cNvPr id="17" name="TextBox 16">
+            <a:extLst>
+              <a:ext uri="{FF2B5EF4-FFF2-40B4-BE49-F238E27FC236}">
+                <a16:creationId xmlns:a16="http://schemas.microsoft.com/office/drawing/2014/main" id="{A7C70D79-8AAF-9B44-92D4-E51A6DE0C98A}"/>
+              </a:ext>
+            </a:extLst>
+          </p:cNvPr>
+          <p:cNvSpPr txBox="1"/>
+          <p:nvPr/>
+        </p:nvSpPr>
+        <p:spPr>
+          <a:xfrm>
+            <a:off x="2531892" y="2808198"/>
+            <a:ext cx="356188" cy="253916"/>
+          </a:xfrm>
+          <a:prstGeom prst="rect">
+            <a:avLst/>
+          </a:prstGeom>
+          <a:noFill/>
+        </p:spPr>
+        <p:txBody>
+          <a:bodyPr wrap="none" rtlCol="0">
+            <a:spAutoFit/>
+          </a:bodyPr>
+          <a:lstStyle/>
+          <a:p>
+            <a:r>
+              <a:rPr lang="en-US" sz="1050" dirty="0"/>
+              <a:t>0.8</a:t>
+            </a:r>
+          </a:p>
+        </p:txBody>
+      </p:sp>
+      <p:sp>
+        <p:nvSpPr>
+          <p:cNvPr id="18" name="TextBox 17">
+            <a:extLst>
+              <a:ext uri="{FF2B5EF4-FFF2-40B4-BE49-F238E27FC236}">
+                <a16:creationId xmlns:a16="http://schemas.microsoft.com/office/drawing/2014/main" id="{85EC60B8-F08E-A844-A84B-38F8011FB138}"/>
+              </a:ext>
+            </a:extLst>
+          </p:cNvPr>
+          <p:cNvSpPr txBox="1"/>
+          <p:nvPr/>
+        </p:nvSpPr>
+        <p:spPr>
+          <a:xfrm>
+            <a:off x="2531892" y="3089413"/>
+            <a:ext cx="356188" cy="253916"/>
+          </a:xfrm>
+          <a:prstGeom prst="rect">
+            <a:avLst/>
+          </a:prstGeom>
+          <a:noFill/>
+        </p:spPr>
+        <p:txBody>
+          <a:bodyPr wrap="none" rtlCol="0">
+            <a:spAutoFit/>
+          </a:bodyPr>
+          <a:lstStyle/>
+          <a:p>
+            <a:r>
+              <a:rPr lang="en-US" sz="1050" dirty="0"/>
+              <a:t>0.5</a:t>
+            </a:r>
+          </a:p>
+        </p:txBody>
+      </p:sp>
+      <p:sp>
+        <p:nvSpPr>
+          <p:cNvPr id="19" name="TextBox 18">
+            <a:extLst>
+              <a:ext uri="{FF2B5EF4-FFF2-40B4-BE49-F238E27FC236}">
+                <a16:creationId xmlns:a16="http://schemas.microsoft.com/office/drawing/2014/main" id="{05A84E47-9D4C-524E-B2A9-DFE5F58C484D}"/>
+              </a:ext>
+            </a:extLst>
+          </p:cNvPr>
+          <p:cNvSpPr txBox="1"/>
+          <p:nvPr/>
+        </p:nvSpPr>
+        <p:spPr>
+          <a:xfrm>
+            <a:off x="2531892" y="3370628"/>
+            <a:ext cx="356188" cy="253916"/>
+          </a:xfrm>
+          <a:prstGeom prst="rect">
+            <a:avLst/>
+          </a:prstGeom>
+          <a:noFill/>
+        </p:spPr>
+        <p:txBody>
+          <a:bodyPr wrap="none" rtlCol="0">
+            <a:spAutoFit/>
+          </a:bodyPr>
+          <a:lstStyle/>
+          <a:p>
+            <a:r>
+              <a:rPr lang="en-US" sz="1050" dirty="0"/>
+              <a:t>0.3</a:t>
+            </a:r>
+          </a:p>
+        </p:txBody>
+      </p:sp>
+      <p:sp>
+        <p:nvSpPr>
+          <p:cNvPr id="20" name="TextBox 19">
+            <a:extLst>
+              <a:ext uri="{FF2B5EF4-FFF2-40B4-BE49-F238E27FC236}">
+                <a16:creationId xmlns:a16="http://schemas.microsoft.com/office/drawing/2014/main" id="{38DF0170-A49A-454C-B461-5736A7F24B18}"/>
+              </a:ext>
+            </a:extLst>
+          </p:cNvPr>
+          <p:cNvSpPr txBox="1"/>
+          <p:nvPr/>
+        </p:nvSpPr>
+        <p:spPr>
+          <a:xfrm>
+            <a:off x="3056819" y="3370628"/>
+            <a:ext cx="397866" cy="253916"/>
+          </a:xfrm>
+          <a:prstGeom prst="rect">
+            <a:avLst/>
+          </a:prstGeom>
+          <a:noFill/>
+        </p:spPr>
+        <p:txBody>
+          <a:bodyPr wrap="none" rtlCol="0">
+            <a:spAutoFit/>
+          </a:bodyPr>
+          <a:lstStyle/>
+          <a:p>
+            <a:r>
+              <a:rPr lang="en-US" sz="1050" dirty="0"/>
+              <a:t>-0.6</a:t>
+            </a:r>
+          </a:p>
+        </p:txBody>
+      </p:sp>
+      <p:sp>
+        <p:nvSpPr>
+          <p:cNvPr id="21" name="TextBox 20">
+            <a:extLst>
+              <a:ext uri="{FF2B5EF4-FFF2-40B4-BE49-F238E27FC236}">
+                <a16:creationId xmlns:a16="http://schemas.microsoft.com/office/drawing/2014/main" id="{F2E79E65-A315-5B4C-980D-5892EB5B8943}"/>
+              </a:ext>
+            </a:extLst>
+          </p:cNvPr>
+          <p:cNvSpPr txBox="1"/>
+          <p:nvPr/>
+        </p:nvSpPr>
+        <p:spPr>
+          <a:xfrm>
+            <a:off x="3056819" y="3090409"/>
+            <a:ext cx="397866" cy="253916"/>
+          </a:xfrm>
+          <a:prstGeom prst="rect">
+            <a:avLst/>
+          </a:prstGeom>
+          <a:noFill/>
+        </p:spPr>
+        <p:txBody>
+          <a:bodyPr wrap="none" rtlCol="0">
+            <a:spAutoFit/>
+          </a:bodyPr>
+          <a:lstStyle/>
+          <a:p>
+            <a:r>
+              <a:rPr lang="en-US" sz="1050" dirty="0"/>
+              <a:t>-0.5</a:t>
+            </a:r>
+          </a:p>
+        </p:txBody>
+      </p:sp>
+      <p:sp>
+        <p:nvSpPr>
+          <p:cNvPr id="22" name="TextBox 21">
+            <a:extLst>
+              <a:ext uri="{FF2B5EF4-FFF2-40B4-BE49-F238E27FC236}">
+                <a16:creationId xmlns:a16="http://schemas.microsoft.com/office/drawing/2014/main" id="{E3C32114-792E-B140-965C-1D5CC63131B9}"/>
+              </a:ext>
+            </a:extLst>
+          </p:cNvPr>
+          <p:cNvSpPr txBox="1"/>
+          <p:nvPr/>
+        </p:nvSpPr>
+        <p:spPr>
+          <a:xfrm>
+            <a:off x="3056819" y="2808198"/>
+            <a:ext cx="397866" cy="253916"/>
+          </a:xfrm>
+          <a:prstGeom prst="rect">
+            <a:avLst/>
+          </a:prstGeom>
+          <a:noFill/>
+        </p:spPr>
+        <p:txBody>
+          <a:bodyPr wrap="none" rtlCol="0">
+            <a:spAutoFit/>
+          </a:bodyPr>
+          <a:lstStyle/>
+          <a:p>
+            <a:r>
+              <a:rPr lang="en-US" sz="1050" dirty="0"/>
+              <a:t>-0.1</a:t>
+            </a:r>
+          </a:p>
+        </p:txBody>
+      </p:sp>
+      <p:sp>
+        <p:nvSpPr>
+          <p:cNvPr id="23" name="TextBox 22">
+            <a:extLst>
+              <a:ext uri="{FF2B5EF4-FFF2-40B4-BE49-F238E27FC236}">
+                <a16:creationId xmlns:a16="http://schemas.microsoft.com/office/drawing/2014/main" id="{2CE358CF-4C0C-3D49-B839-4BE21CB6B68E}"/>
+              </a:ext>
+            </a:extLst>
+          </p:cNvPr>
+          <p:cNvSpPr txBox="1"/>
+          <p:nvPr/>
+        </p:nvSpPr>
+        <p:spPr>
+          <a:xfrm>
+            <a:off x="3344367" y="2808198"/>
+            <a:ext cx="397866" cy="253916"/>
+          </a:xfrm>
+          <a:prstGeom prst="rect">
+            <a:avLst/>
+          </a:prstGeom>
+          <a:noFill/>
+        </p:spPr>
+        <p:txBody>
+          <a:bodyPr wrap="none" rtlCol="0">
+            <a:spAutoFit/>
+          </a:bodyPr>
+          <a:lstStyle/>
+          <a:p>
+            <a:r>
+              <a:rPr lang="en-US" sz="1050" dirty="0"/>
+              <a:t>-0.9</a:t>
+            </a:r>
+          </a:p>
+        </p:txBody>
+      </p:sp>
+    </p:spTree>
+    <p:extLst>
+      <p:ext uri="{BB962C8B-B14F-4D97-AF65-F5344CB8AC3E}">
+        <p14:creationId xmlns:p14="http://schemas.microsoft.com/office/powerpoint/2010/main" val="1610249980"/>
+      </p:ext>
+    </p:extLst>
+  </p:cSld>
+  <p:clrMapOvr>
+    <a:masterClrMapping/>
+  </p:clrMapOvr>
+</p:sld>
+</file>
+
+<file path=ppt/slides/slide5.xml><?xml version="1.0" encoding="utf-8"?>
 <p:sld xmlns:a="http://schemas.openxmlformats.org/drawingml/2006/main" xmlns:r="http://schemas.openxmlformats.org/officeDocument/2006/relationships" xmlns:p="http://schemas.openxmlformats.org/presentationml/2006/main">
   <p:cSld>
     <p:bg>

--- a/figures/modeling/Yixuan_chap7.pptx
+++ b/figures/modeling/Yixuan_chap7.pptx
@@ -255,7 +255,7 @@
           <a:p>
             <a:fld id="{E3D17B11-CCD8-4EEC-AD7E-F410C1454966}" type="datetimeFigureOut">
               <a:rPr lang="zh-CN" altLang="en-US" smtClean="0"/>
-              <a:t>2022/1/23</a:t>
+              <a:t>2022/1/24</a:t>
             </a:fld>
             <a:endParaRPr lang="zh-CN" altLang="en-US"/>
           </a:p>
@@ -423,7 +423,7 @@
           <a:p>
             <a:fld id="{E3D17B11-CCD8-4EEC-AD7E-F410C1454966}" type="datetimeFigureOut">
               <a:rPr lang="zh-CN" altLang="en-US" smtClean="0"/>
-              <a:t>2022/1/23</a:t>
+              <a:t>2022/1/24</a:t>
             </a:fld>
             <a:endParaRPr lang="zh-CN" altLang="en-US"/>
           </a:p>
@@ -601,7 +601,7 @@
           <a:p>
             <a:fld id="{E3D17B11-CCD8-4EEC-AD7E-F410C1454966}" type="datetimeFigureOut">
               <a:rPr lang="zh-CN" altLang="en-US" smtClean="0"/>
-              <a:t>2022/1/23</a:t>
+              <a:t>2022/1/24</a:t>
             </a:fld>
             <a:endParaRPr lang="zh-CN" altLang="en-US"/>
           </a:p>
@@ -769,7 +769,7 @@
           <a:p>
             <a:fld id="{E3D17B11-CCD8-4EEC-AD7E-F410C1454966}" type="datetimeFigureOut">
               <a:rPr lang="zh-CN" altLang="en-US" smtClean="0"/>
-              <a:t>2022/1/23</a:t>
+              <a:t>2022/1/24</a:t>
             </a:fld>
             <a:endParaRPr lang="zh-CN" altLang="en-US"/>
           </a:p>
@@ -1014,7 +1014,7 @@
           <a:p>
             <a:fld id="{E3D17B11-CCD8-4EEC-AD7E-F410C1454966}" type="datetimeFigureOut">
               <a:rPr lang="zh-CN" altLang="en-US" smtClean="0"/>
-              <a:t>2022/1/23</a:t>
+              <a:t>2022/1/24</a:t>
             </a:fld>
             <a:endParaRPr lang="zh-CN" altLang="en-US"/>
           </a:p>
@@ -1243,7 +1243,7 @@
           <a:p>
             <a:fld id="{E3D17B11-CCD8-4EEC-AD7E-F410C1454966}" type="datetimeFigureOut">
               <a:rPr lang="zh-CN" altLang="en-US" smtClean="0"/>
-              <a:t>2022/1/23</a:t>
+              <a:t>2022/1/24</a:t>
             </a:fld>
             <a:endParaRPr lang="zh-CN" altLang="en-US"/>
           </a:p>
@@ -1607,7 +1607,7 @@
           <a:p>
             <a:fld id="{E3D17B11-CCD8-4EEC-AD7E-F410C1454966}" type="datetimeFigureOut">
               <a:rPr lang="zh-CN" altLang="en-US" smtClean="0"/>
-              <a:t>2022/1/23</a:t>
+              <a:t>2022/1/24</a:t>
             </a:fld>
             <a:endParaRPr lang="zh-CN" altLang="en-US"/>
           </a:p>
@@ -1724,7 +1724,7 @@
           <a:p>
             <a:fld id="{E3D17B11-CCD8-4EEC-AD7E-F410C1454966}" type="datetimeFigureOut">
               <a:rPr lang="zh-CN" altLang="en-US" smtClean="0"/>
-              <a:t>2022/1/23</a:t>
+              <a:t>2022/1/24</a:t>
             </a:fld>
             <a:endParaRPr lang="zh-CN" altLang="en-US"/>
           </a:p>
@@ -1819,7 +1819,7 @@
           <a:p>
             <a:fld id="{E3D17B11-CCD8-4EEC-AD7E-F410C1454966}" type="datetimeFigureOut">
               <a:rPr lang="zh-CN" altLang="en-US" smtClean="0"/>
-              <a:t>2022/1/23</a:t>
+              <a:t>2022/1/24</a:t>
             </a:fld>
             <a:endParaRPr lang="zh-CN" altLang="en-US"/>
           </a:p>
@@ -2094,7 +2094,7 @@
           <a:p>
             <a:fld id="{E3D17B11-CCD8-4EEC-AD7E-F410C1454966}" type="datetimeFigureOut">
               <a:rPr lang="zh-CN" altLang="en-US" smtClean="0"/>
-              <a:t>2022/1/23</a:t>
+              <a:t>2022/1/24</a:t>
             </a:fld>
             <a:endParaRPr lang="zh-CN" altLang="en-US"/>
           </a:p>
@@ -2346,7 +2346,7 @@
           <a:p>
             <a:fld id="{E3D17B11-CCD8-4EEC-AD7E-F410C1454966}" type="datetimeFigureOut">
               <a:rPr lang="zh-CN" altLang="en-US" smtClean="0"/>
-              <a:t>2022/1/23</a:t>
+              <a:t>2022/1/24</a:t>
             </a:fld>
             <a:endParaRPr lang="zh-CN" altLang="en-US"/>
           </a:p>
@@ -2557,7 +2557,7 @@
           <a:p>
             <a:fld id="{E3D17B11-CCD8-4EEC-AD7E-F410C1454966}" type="datetimeFigureOut">
               <a:rPr lang="zh-CN" altLang="en-US" smtClean="0"/>
-              <a:t>2022/1/23</a:t>
+              <a:t>2022/1/24</a:t>
             </a:fld>
             <a:endParaRPr lang="zh-CN" altLang="en-US"/>
           </a:p>
@@ -3669,7 +3669,7 @@
         </p:nvSpPr>
         <p:spPr>
           <a:xfrm>
-            <a:off x="1676827" y="1428808"/>
+            <a:off x="3355202" y="1428808"/>
             <a:ext cx="2159566" cy="369332"/>
           </a:xfrm>
           <a:prstGeom prst="rect">
@@ -3704,7 +3704,7 @@
         </p:nvSpPr>
         <p:spPr>
           <a:xfrm>
-            <a:off x="2843986" y="3063793"/>
+            <a:off x="4522361" y="3063793"/>
             <a:ext cx="285514" cy="283497"/>
           </a:xfrm>
           <a:prstGeom prst="rect">
@@ -3758,7 +3758,7 @@
         </p:nvSpPr>
         <p:spPr>
           <a:xfrm>
-            <a:off x="2843985" y="3347291"/>
+            <a:off x="4522360" y="3347291"/>
             <a:ext cx="285521" cy="273586"/>
           </a:xfrm>
           <a:prstGeom prst="rect">
@@ -3812,7 +3812,7 @@
         </p:nvSpPr>
         <p:spPr>
           <a:xfrm>
-            <a:off x="1629732" y="3553458"/>
+            <a:off x="3308107" y="3553458"/>
             <a:ext cx="866263" cy="369332"/>
           </a:xfrm>
           <a:prstGeom prst="rect">
@@ -3850,7 +3850,7 @@
         </p:nvCxnSpPr>
         <p:spPr>
           <a:xfrm>
-            <a:off x="2555913" y="2236424"/>
+            <a:off x="4234288" y="2236424"/>
             <a:ext cx="1740665" cy="0"/>
           </a:xfrm>
           <a:prstGeom prst="line">
@@ -3888,7 +3888,7 @@
         </p:nvCxnSpPr>
         <p:spPr>
           <a:xfrm>
-            <a:off x="3986067" y="1966512"/>
+            <a:off x="5664442" y="1966512"/>
             <a:ext cx="0" cy="1867358"/>
           </a:xfrm>
           <a:prstGeom prst="line">
@@ -3924,7 +3924,7 @@
         </p:nvSpPr>
         <p:spPr>
           <a:xfrm>
-            <a:off x="3151971" y="3922790"/>
+            <a:off x="4830346" y="3922790"/>
             <a:ext cx="548548" cy="369332"/>
           </a:xfrm>
           <a:prstGeom prst="rect">
@@ -3962,7 +3962,7 @@
         </p:nvCxnSpPr>
         <p:spPr>
           <a:xfrm>
-            <a:off x="3700546" y="1966512"/>
+            <a:off x="5378921" y="1966512"/>
             <a:ext cx="0" cy="1867358"/>
           </a:xfrm>
           <a:prstGeom prst="line">
@@ -4000,7 +4000,7 @@
         </p:nvCxnSpPr>
         <p:spPr>
           <a:xfrm>
-            <a:off x="3415026" y="1966512"/>
+            <a:off x="5093401" y="1966512"/>
             <a:ext cx="0" cy="1867358"/>
           </a:xfrm>
           <a:prstGeom prst="line">
@@ -4038,7 +4038,7 @@
         </p:nvCxnSpPr>
         <p:spPr>
           <a:xfrm>
-            <a:off x="3129506" y="1966512"/>
+            <a:off x="4807881" y="1966512"/>
             <a:ext cx="0" cy="1867358"/>
           </a:xfrm>
           <a:prstGeom prst="line">
@@ -4076,7 +4076,7 @@
         </p:nvCxnSpPr>
         <p:spPr>
           <a:xfrm>
-            <a:off x="2843985" y="1966512"/>
+            <a:off x="4522360" y="1966512"/>
             <a:ext cx="0" cy="1867358"/>
           </a:xfrm>
           <a:prstGeom prst="line">
@@ -4114,7 +4114,7 @@
         </p:nvCxnSpPr>
         <p:spPr>
           <a:xfrm>
-            <a:off x="2555913" y="2513315"/>
+            <a:off x="4234288" y="2513315"/>
             <a:ext cx="1740665" cy="0"/>
           </a:xfrm>
           <a:prstGeom prst="line">
@@ -4152,7 +4152,7 @@
         </p:nvCxnSpPr>
         <p:spPr>
           <a:xfrm>
-            <a:off x="2555913" y="2790206"/>
+            <a:off x="4234288" y="2790206"/>
             <a:ext cx="1740665" cy="0"/>
           </a:xfrm>
           <a:prstGeom prst="line">
@@ -4190,7 +4190,7 @@
         </p:nvCxnSpPr>
         <p:spPr>
           <a:xfrm>
-            <a:off x="2555913" y="3067097"/>
+            <a:off x="4234288" y="3067097"/>
             <a:ext cx="1740665" cy="0"/>
           </a:xfrm>
           <a:prstGeom prst="line">
@@ -4228,7 +4228,7 @@
         </p:nvCxnSpPr>
         <p:spPr>
           <a:xfrm>
-            <a:off x="2555913" y="3343988"/>
+            <a:off x="4234288" y="3343988"/>
             <a:ext cx="1740665" cy="0"/>
           </a:xfrm>
           <a:prstGeom prst="line">
@@ -4266,7 +4266,7 @@
         </p:nvCxnSpPr>
         <p:spPr>
           <a:xfrm>
-            <a:off x="2555913" y="3620877"/>
+            <a:off x="4234288" y="3620877"/>
             <a:ext cx="1740665" cy="0"/>
           </a:xfrm>
           <a:prstGeom prst="line">
@@ -4302,7 +4302,7 @@
         </p:nvSpPr>
         <p:spPr>
           <a:xfrm>
-            <a:off x="2843778" y="2786902"/>
+            <a:off x="4522153" y="2786902"/>
             <a:ext cx="285511" cy="273590"/>
           </a:xfrm>
           <a:prstGeom prst="rect">
@@ -4356,7 +4356,7 @@
         </p:nvSpPr>
         <p:spPr>
           <a:xfrm>
-            <a:off x="3129288" y="2786902"/>
+            <a:off x="4807663" y="2786902"/>
             <a:ext cx="285514" cy="273588"/>
           </a:xfrm>
           <a:prstGeom prst="rect">
@@ -4410,7 +4410,7 @@
         </p:nvSpPr>
         <p:spPr>
           <a:xfrm>
-            <a:off x="3130241" y="2513307"/>
+            <a:off x="4808616" y="2513307"/>
             <a:ext cx="285514" cy="273588"/>
           </a:xfrm>
           <a:prstGeom prst="rect">
@@ -4464,7 +4464,7 @@
         </p:nvSpPr>
         <p:spPr>
           <a:xfrm>
-            <a:off x="3414357" y="2513312"/>
+            <a:off x="5092732" y="2513312"/>
             <a:ext cx="285501" cy="273588"/>
           </a:xfrm>
           <a:prstGeom prst="rect">
@@ -4518,7 +4518,7 @@
         </p:nvSpPr>
         <p:spPr>
           <a:xfrm>
-            <a:off x="3414080" y="2236418"/>
+            <a:off x="5092455" y="2236418"/>
             <a:ext cx="285514" cy="273588"/>
           </a:xfrm>
           <a:prstGeom prst="rect">
@@ -4572,7 +4572,7 @@
         </p:nvSpPr>
         <p:spPr>
           <a:xfrm>
-            <a:off x="3698516" y="2239720"/>
+            <a:off x="5376891" y="2239720"/>
             <a:ext cx="284819" cy="273588"/>
           </a:xfrm>
           <a:prstGeom prst="rect">
@@ -4626,7 +4626,7 @@
         </p:nvSpPr>
         <p:spPr>
           <a:xfrm>
-            <a:off x="2930492" y="2313557"/>
+            <a:off x="4608867" y="2313557"/>
             <a:ext cx="1156766" cy="1496443"/>
           </a:xfrm>
           <a:custGeom>
@@ -4709,7 +4709,7 @@
         </p:nvSpPr>
         <p:spPr>
           <a:xfrm>
-            <a:off x="4661904" y="2233120"/>
+            <a:off x="6340279" y="2233120"/>
             <a:ext cx="284819" cy="273588"/>
           </a:xfrm>
           <a:prstGeom prst="rect">
@@ -4763,7 +4763,7 @@
         </p:nvSpPr>
         <p:spPr>
           <a:xfrm>
-            <a:off x="4992425" y="2185248"/>
+            <a:off x="6670800" y="2185248"/>
             <a:ext cx="1238159" cy="369332"/>
           </a:xfrm>
           <a:prstGeom prst="rect">
@@ -4800,7 +4800,7 @@
         </p:nvSpPr>
         <p:spPr>
           <a:xfrm>
-            <a:off x="3368007" y="3023304"/>
+            <a:off x="5046382" y="3023304"/>
             <a:ext cx="91440" cy="91440"/>
           </a:xfrm>
           <a:prstGeom prst="ellipse">
@@ -4854,7 +4854,7 @@
         </p:nvSpPr>
         <p:spPr>
           <a:xfrm>
-            <a:off x="3368007" y="2741623"/>
+            <a:off x="5046382" y="2741623"/>
             <a:ext cx="91440" cy="91440"/>
           </a:xfrm>
           <a:prstGeom prst="ellipse">
@@ -4908,7 +4908,7 @@
         </p:nvSpPr>
         <p:spPr>
           <a:xfrm>
-            <a:off x="3368007" y="2467529"/>
+            <a:off x="5046382" y="2467529"/>
             <a:ext cx="91440" cy="91440"/>
           </a:xfrm>
           <a:prstGeom prst="ellipse">
@@ -4962,7 +4962,7 @@
         </p:nvSpPr>
         <p:spPr>
           <a:xfrm>
-            <a:off x="3081572" y="3023304"/>
+            <a:off x="4759947" y="3023304"/>
             <a:ext cx="91440" cy="91440"/>
           </a:xfrm>
           <a:prstGeom prst="ellipse">
@@ -5016,7 +5016,7 @@
         </p:nvSpPr>
         <p:spPr>
           <a:xfrm>
-            <a:off x="3081572" y="2741623"/>
+            <a:off x="4759947" y="2741623"/>
             <a:ext cx="91440" cy="91440"/>
           </a:xfrm>
           <a:prstGeom prst="ellipse">
@@ -5070,7 +5070,7 @@
         </p:nvSpPr>
         <p:spPr>
           <a:xfrm>
-            <a:off x="3081572" y="2467529"/>
+            <a:off x="4759947" y="2467529"/>
             <a:ext cx="91440" cy="91440"/>
           </a:xfrm>
           <a:prstGeom prst="ellipse">
@@ -5124,7 +5124,7 @@
         </p:nvSpPr>
         <p:spPr>
           <a:xfrm>
-            <a:off x="2798854" y="3296533"/>
+            <a:off x="4477229" y="3296533"/>
             <a:ext cx="91440" cy="91440"/>
           </a:xfrm>
           <a:prstGeom prst="ellipse">
@@ -5178,7 +5178,7 @@
         </p:nvSpPr>
         <p:spPr>
           <a:xfrm>
-            <a:off x="2798854" y="3023304"/>
+            <a:off x="4477229" y="3023304"/>
             <a:ext cx="91440" cy="91440"/>
           </a:xfrm>
           <a:prstGeom prst="ellipse">
@@ -5232,7 +5232,7 @@
         </p:nvSpPr>
         <p:spPr>
           <a:xfrm>
-            <a:off x="2798854" y="2741623"/>
+            <a:off x="4477229" y="2741623"/>
             <a:ext cx="91440" cy="91440"/>
           </a:xfrm>
           <a:prstGeom prst="ellipse">
@@ -5286,7 +5286,7 @@
         </p:nvSpPr>
         <p:spPr>
           <a:xfrm>
-            <a:off x="3655302" y="2741623"/>
+            <a:off x="5333677" y="2741623"/>
             <a:ext cx="91440" cy="91440"/>
           </a:xfrm>
           <a:prstGeom prst="ellipse">
@@ -5340,7 +5340,7 @@
         </p:nvSpPr>
         <p:spPr>
           <a:xfrm>
-            <a:off x="3655302" y="2467529"/>
+            <a:off x="5333677" y="2467529"/>
             <a:ext cx="91440" cy="91440"/>
           </a:xfrm>
           <a:prstGeom prst="ellipse">
@@ -5394,7 +5394,7 @@
         </p:nvSpPr>
         <p:spPr>
           <a:xfrm>
-            <a:off x="3655302" y="2185707"/>
+            <a:off x="5333677" y="2185707"/>
             <a:ext cx="91440" cy="91440"/>
           </a:xfrm>
           <a:prstGeom prst="ellipse">
@@ -5448,7 +5448,7 @@
         </p:nvSpPr>
         <p:spPr>
           <a:xfrm>
-            <a:off x="3081572" y="3296533"/>
+            <a:off x="4759947" y="3296533"/>
             <a:ext cx="91440" cy="91440"/>
           </a:xfrm>
           <a:prstGeom prst="ellipse">
@@ -5502,7 +5502,7 @@
         </p:nvSpPr>
         <p:spPr>
           <a:xfrm>
-            <a:off x="3081572" y="3578041"/>
+            <a:off x="4759947" y="3578041"/>
             <a:ext cx="91440" cy="91440"/>
           </a:xfrm>
           <a:prstGeom prst="ellipse">
@@ -5556,7 +5556,7 @@
         </p:nvSpPr>
         <p:spPr>
           <a:xfrm>
-            <a:off x="2798854" y="3578041"/>
+            <a:off x="4477229" y="3578041"/>
             <a:ext cx="91440" cy="91440"/>
           </a:xfrm>
           <a:prstGeom prst="ellipse">
@@ -5610,7 +5610,7 @@
         </p:nvSpPr>
         <p:spPr>
           <a:xfrm>
-            <a:off x="3368007" y="2185707"/>
+            <a:off x="5046382" y="2185707"/>
             <a:ext cx="91440" cy="91440"/>
           </a:xfrm>
           <a:prstGeom prst="ellipse">
@@ -5664,7 +5664,7 @@
         </p:nvSpPr>
         <p:spPr>
           <a:xfrm>
-            <a:off x="3938914" y="2467529"/>
+            <a:off x="5617289" y="2467529"/>
             <a:ext cx="91440" cy="91440"/>
           </a:xfrm>
           <a:prstGeom prst="ellipse">
@@ -5718,7 +5718,7 @@
         </p:nvSpPr>
         <p:spPr>
           <a:xfrm>
-            <a:off x="3938914" y="2185707"/>
+            <a:off x="5617289" y="2185707"/>
             <a:ext cx="91440" cy="91440"/>
           </a:xfrm>
           <a:prstGeom prst="ellipse">
@@ -5772,7 +5772,7 @@
         </p:nvSpPr>
         <p:spPr>
           <a:xfrm>
-            <a:off x="3938914" y="2741623"/>
+            <a:off x="5617289" y="2741623"/>
             <a:ext cx="91440" cy="91440"/>
           </a:xfrm>
           <a:prstGeom prst="ellipse">
@@ -5826,7 +5826,7 @@
         </p:nvSpPr>
         <p:spPr>
           <a:xfrm>
-            <a:off x="3938914" y="3023304"/>
+            <a:off x="5617289" y="3023304"/>
             <a:ext cx="91440" cy="91440"/>
           </a:xfrm>
           <a:prstGeom prst="ellipse">
@@ -5880,7 +5880,7 @@
         </p:nvSpPr>
         <p:spPr>
           <a:xfrm>
-            <a:off x="3938914" y="3296533"/>
+            <a:off x="5617289" y="3296533"/>
             <a:ext cx="91440" cy="91440"/>
           </a:xfrm>
           <a:prstGeom prst="ellipse">
@@ -5934,7 +5934,7 @@
         </p:nvSpPr>
         <p:spPr>
           <a:xfrm>
-            <a:off x="3938914" y="3578041"/>
+            <a:off x="5617289" y="3578041"/>
             <a:ext cx="91440" cy="91440"/>
           </a:xfrm>
           <a:prstGeom prst="ellipse">
@@ -5988,7 +5988,7 @@
         </p:nvSpPr>
         <p:spPr>
           <a:xfrm>
-            <a:off x="2798854" y="2185707"/>
+            <a:off x="4477229" y="2185707"/>
             <a:ext cx="91440" cy="91440"/>
           </a:xfrm>
           <a:prstGeom prst="ellipse">
@@ -6042,7 +6042,7 @@
         </p:nvSpPr>
         <p:spPr>
           <a:xfrm>
-            <a:off x="3081572" y="2185707"/>
+            <a:off x="4759947" y="2185707"/>
             <a:ext cx="91440" cy="91440"/>
           </a:xfrm>
           <a:prstGeom prst="ellipse">
@@ -6096,7 +6096,7 @@
         </p:nvSpPr>
         <p:spPr>
           <a:xfrm>
-            <a:off x="2798854" y="2467529"/>
+            <a:off x="4477229" y="2467529"/>
             <a:ext cx="91440" cy="91440"/>
           </a:xfrm>
           <a:prstGeom prst="ellipse">
@@ -6150,7 +6150,7 @@
         </p:nvSpPr>
         <p:spPr>
           <a:xfrm>
-            <a:off x="3655302" y="3023304"/>
+            <a:off x="5333677" y="3023304"/>
             <a:ext cx="91440" cy="91440"/>
           </a:xfrm>
           <a:prstGeom prst="ellipse">
@@ -6204,7 +6204,7 @@
         </p:nvSpPr>
         <p:spPr>
           <a:xfrm>
-            <a:off x="3655302" y="3296533"/>
+            <a:off x="5333677" y="3296533"/>
             <a:ext cx="91440" cy="91440"/>
           </a:xfrm>
           <a:prstGeom prst="ellipse">
@@ -6258,7 +6258,7 @@
         </p:nvSpPr>
         <p:spPr>
           <a:xfrm>
-            <a:off x="3655302" y="3578041"/>
+            <a:off x="5333677" y="3578041"/>
             <a:ext cx="91440" cy="91440"/>
           </a:xfrm>
           <a:prstGeom prst="ellipse">
@@ -6312,7 +6312,7 @@
         </p:nvSpPr>
         <p:spPr>
           <a:xfrm>
-            <a:off x="3368007" y="3296533"/>
+            <a:off x="5046382" y="3296533"/>
             <a:ext cx="91440" cy="91440"/>
           </a:xfrm>
           <a:prstGeom prst="ellipse">
@@ -6366,7 +6366,7 @@
         </p:nvSpPr>
         <p:spPr>
           <a:xfrm>
-            <a:off x="3368007" y="3578041"/>
+            <a:off x="5046382" y="3578041"/>
             <a:ext cx="91440" cy="91440"/>
           </a:xfrm>
           <a:prstGeom prst="ellipse">
@@ -6420,7 +6420,7 @@
         </p:nvSpPr>
         <p:spPr>
           <a:xfrm>
-            <a:off x="4755555" y="2755961"/>
+            <a:off x="6433930" y="2755961"/>
             <a:ext cx="91440" cy="91440"/>
           </a:xfrm>
           <a:prstGeom prst="ellipse">
@@ -6472,7 +6472,7 @@
         </p:nvSpPr>
         <p:spPr>
           <a:xfrm>
-            <a:off x="4992425" y="2617015"/>
+            <a:off x="6670800" y="2617015"/>
             <a:ext cx="1038746" cy="369332"/>
           </a:xfrm>
           <a:prstGeom prst="rect">
@@ -6509,7 +6509,7 @@
         </p:nvSpPr>
         <p:spPr>
           <a:xfrm>
-            <a:off x="4755555" y="3187728"/>
+            <a:off x="6433930" y="3187728"/>
             <a:ext cx="91440" cy="91440"/>
           </a:xfrm>
           <a:prstGeom prst="ellipse">
@@ -6561,7 +6561,7 @@
         </p:nvSpPr>
         <p:spPr>
           <a:xfrm>
-            <a:off x="4992425" y="3048782"/>
+            <a:off x="6670800" y="3048782"/>
             <a:ext cx="1489318" cy="369332"/>
           </a:xfrm>
           <a:prstGeom prst="rect">
@@ -6596,7 +6596,7 @@
         </p:nvSpPr>
         <p:spPr>
           <a:xfrm>
-            <a:off x="4992425" y="3480549"/>
+            <a:off x="6670800" y="3480549"/>
             <a:ext cx="1218475" cy="369332"/>
           </a:xfrm>
           <a:prstGeom prst="rect">
@@ -6631,7 +6631,7 @@
         </p:nvSpPr>
         <p:spPr>
           <a:xfrm>
-            <a:off x="4992425" y="3912316"/>
+            <a:off x="6670800" y="3912316"/>
             <a:ext cx="441468" cy="369332"/>
           </a:xfrm>
           <a:prstGeom prst="rect">
@@ -6668,7 +6668,7 @@
         </p:nvSpPr>
         <p:spPr>
           <a:xfrm>
-            <a:off x="4755555" y="3613885"/>
+            <a:off x="6433930" y="3613885"/>
             <a:ext cx="91440" cy="91440"/>
           </a:xfrm>
           <a:prstGeom prst="ellipse">
@@ -6722,7 +6722,7 @@
         </p:nvSpPr>
         <p:spPr>
           <a:xfrm>
-            <a:off x="4761195" y="4051262"/>
+            <a:off x="6439570" y="4051262"/>
             <a:ext cx="91440" cy="91440"/>
           </a:xfrm>
           <a:prstGeom prst="ellipse">
@@ -6774,7 +6774,7 @@
         </p:nvSpPr>
         <p:spPr>
           <a:xfrm>
-            <a:off x="1676827" y="1428808"/>
+            <a:off x="3355202" y="1428808"/>
             <a:ext cx="3081228" cy="369332"/>
           </a:xfrm>
           <a:prstGeom prst="rect">
@@ -6811,7 +6811,7 @@
         </p:nvSpPr>
         <p:spPr>
           <a:xfrm>
-            <a:off x="3655302" y="2467529"/>
+            <a:off x="5333677" y="2467529"/>
             <a:ext cx="91440" cy="91440"/>
           </a:xfrm>
           <a:prstGeom prst="ellipse">
@@ -6863,7 +6863,7 @@
         </p:nvSpPr>
         <p:spPr>
           <a:xfrm>
-            <a:off x="3673593" y="1983156"/>
+            <a:off x="5351968" y="1983156"/>
             <a:ext cx="364202" cy="261610"/>
           </a:xfrm>
           <a:prstGeom prst="rect">
@@ -6898,7 +6898,7 @@
         </p:nvSpPr>
         <p:spPr>
           <a:xfrm>
-            <a:off x="3386045" y="1983156"/>
+            <a:off x="5064420" y="1983156"/>
             <a:ext cx="356188" cy="253916"/>
           </a:xfrm>
           <a:prstGeom prst="rect">
@@ -6933,7 +6933,7 @@
         </p:nvSpPr>
         <p:spPr>
           <a:xfrm>
-            <a:off x="3098497" y="1983156"/>
+            <a:off x="4776872" y="1983156"/>
             <a:ext cx="356188" cy="253916"/>
           </a:xfrm>
           <a:prstGeom prst="rect">
@@ -6968,7 +6968,7 @@
         </p:nvSpPr>
         <p:spPr>
           <a:xfrm>
-            <a:off x="3947000" y="2259849"/>
+            <a:off x="5625375" y="2259849"/>
             <a:ext cx="397866" cy="253916"/>
           </a:xfrm>
           <a:prstGeom prst="rect">
@@ -7003,7 +7003,7 @@
         </p:nvSpPr>
         <p:spPr>
           <a:xfrm>
-            <a:off x="3639929" y="2259849"/>
+            <a:off x="5318304" y="2259849"/>
             <a:ext cx="397866" cy="253916"/>
           </a:xfrm>
           <a:prstGeom prst="rect">
@@ -7038,7 +7038,7 @@
         </p:nvSpPr>
         <p:spPr>
           <a:xfrm>
-            <a:off x="3098497" y="2259849"/>
+            <a:off x="4776872" y="2259849"/>
             <a:ext cx="356188" cy="253916"/>
           </a:xfrm>
           <a:prstGeom prst="rect">
@@ -7073,7 +7073,7 @@
         </p:nvSpPr>
         <p:spPr>
           <a:xfrm>
-            <a:off x="2814132" y="2259849"/>
+            <a:off x="4492507" y="2259849"/>
             <a:ext cx="356188" cy="253916"/>
           </a:xfrm>
           <a:prstGeom prst="rect">
@@ -7108,7 +7108,7 @@
         </p:nvSpPr>
         <p:spPr>
           <a:xfrm>
-            <a:off x="2531892" y="2526983"/>
+            <a:off x="4210267" y="2526983"/>
             <a:ext cx="356188" cy="253916"/>
           </a:xfrm>
           <a:prstGeom prst="rect">
@@ -7143,7 +7143,7 @@
         </p:nvSpPr>
         <p:spPr>
           <a:xfrm>
-            <a:off x="2814132" y="2526983"/>
+            <a:off x="4492507" y="2526983"/>
             <a:ext cx="356188" cy="253916"/>
           </a:xfrm>
           <a:prstGeom prst="rect">
@@ -7178,7 +7178,7 @@
         </p:nvSpPr>
         <p:spPr>
           <a:xfrm>
-            <a:off x="3344367" y="2526983"/>
+            <a:off x="5022742" y="2526983"/>
             <a:ext cx="397866" cy="253916"/>
           </a:xfrm>
           <a:prstGeom prst="rect">
@@ -7213,7 +7213,7 @@
         </p:nvSpPr>
         <p:spPr>
           <a:xfrm>
-            <a:off x="3639929" y="2526983"/>
+            <a:off x="5318304" y="2526983"/>
             <a:ext cx="397866" cy="253916"/>
           </a:xfrm>
           <a:prstGeom prst="rect">
@@ -7248,7 +7248,7 @@
         </p:nvSpPr>
         <p:spPr>
           <a:xfrm>
-            <a:off x="2531892" y="2808198"/>
+            <a:off x="4210267" y="2808198"/>
             <a:ext cx="356188" cy="253916"/>
           </a:xfrm>
           <a:prstGeom prst="rect">
@@ -7283,7 +7283,7 @@
         </p:nvSpPr>
         <p:spPr>
           <a:xfrm>
-            <a:off x="2531892" y="3089413"/>
+            <a:off x="4210267" y="3089413"/>
             <a:ext cx="356188" cy="253916"/>
           </a:xfrm>
           <a:prstGeom prst="rect">
@@ -7318,7 +7318,7 @@
         </p:nvSpPr>
         <p:spPr>
           <a:xfrm>
-            <a:off x="2531892" y="3370628"/>
+            <a:off x="4210267" y="3370628"/>
             <a:ext cx="356188" cy="253916"/>
           </a:xfrm>
           <a:prstGeom prst="rect">
@@ -7353,7 +7353,7 @@
         </p:nvSpPr>
         <p:spPr>
           <a:xfrm>
-            <a:off x="3056819" y="3370628"/>
+            <a:off x="4735194" y="3370628"/>
             <a:ext cx="397866" cy="253916"/>
           </a:xfrm>
           <a:prstGeom prst="rect">
@@ -7388,7 +7388,7 @@
         </p:nvSpPr>
         <p:spPr>
           <a:xfrm>
-            <a:off x="3056819" y="3090409"/>
+            <a:off x="4735194" y="3090409"/>
             <a:ext cx="397866" cy="253916"/>
           </a:xfrm>
           <a:prstGeom prst="rect">
@@ -7423,7 +7423,7 @@
         </p:nvSpPr>
         <p:spPr>
           <a:xfrm>
-            <a:off x="3056819" y="2808198"/>
+            <a:off x="4735194" y="2808198"/>
             <a:ext cx="397866" cy="253916"/>
           </a:xfrm>
           <a:prstGeom prst="rect">
@@ -7458,7 +7458,7 @@
         </p:nvSpPr>
         <p:spPr>
           <a:xfrm>
-            <a:off x="3344367" y="2808198"/>
+            <a:off x="5022742" y="2808198"/>
             <a:ext cx="397866" cy="253916"/>
           </a:xfrm>
           <a:prstGeom prst="rect">
@@ -7657,7 +7657,7 @@
         </p:nvSpPr>
         <p:spPr>
           <a:xfrm>
-            <a:off x="1676827" y="1428808"/>
+            <a:off x="3355202" y="1428808"/>
             <a:ext cx="3213316" cy="369332"/>
           </a:xfrm>
           <a:prstGeom prst="rect">
@@ -7692,7 +7692,7 @@
         </p:nvSpPr>
         <p:spPr>
           <a:xfrm>
-            <a:off x="2843986" y="3063793"/>
+            <a:off x="4522361" y="3063793"/>
             <a:ext cx="285514" cy="283497"/>
           </a:xfrm>
           <a:prstGeom prst="rect">
@@ -7746,7 +7746,7 @@
         </p:nvSpPr>
         <p:spPr>
           <a:xfrm>
-            <a:off x="2843985" y="3347291"/>
+            <a:off x="4522360" y="3347291"/>
             <a:ext cx="285521" cy="273586"/>
           </a:xfrm>
           <a:prstGeom prst="rect">
@@ -7800,7 +7800,7 @@
         </p:nvSpPr>
         <p:spPr>
           <a:xfrm>
-            <a:off x="1629732" y="3553458"/>
+            <a:off x="3308107" y="3553458"/>
             <a:ext cx="866263" cy="369332"/>
           </a:xfrm>
           <a:prstGeom prst="rect">
@@ -7838,7 +7838,7 @@
         </p:nvCxnSpPr>
         <p:spPr>
           <a:xfrm>
-            <a:off x="2555913" y="2236424"/>
+            <a:off x="4234288" y="2236424"/>
             <a:ext cx="1740665" cy="0"/>
           </a:xfrm>
           <a:prstGeom prst="line">
@@ -7876,7 +7876,7 @@
         </p:nvCxnSpPr>
         <p:spPr>
           <a:xfrm>
-            <a:off x="3986067" y="1966512"/>
+            <a:off x="5664442" y="1966512"/>
             <a:ext cx="0" cy="1867358"/>
           </a:xfrm>
           <a:prstGeom prst="line">
@@ -7912,7 +7912,7 @@
         </p:nvSpPr>
         <p:spPr>
           <a:xfrm>
-            <a:off x="3151971" y="3922790"/>
+            <a:off x="4830346" y="3922790"/>
             <a:ext cx="548548" cy="369332"/>
           </a:xfrm>
           <a:prstGeom prst="rect">
@@ -7950,7 +7950,7 @@
         </p:nvCxnSpPr>
         <p:spPr>
           <a:xfrm>
-            <a:off x="3700546" y="1966512"/>
+            <a:off x="5378921" y="1966512"/>
             <a:ext cx="0" cy="1867358"/>
           </a:xfrm>
           <a:prstGeom prst="line">
@@ -7988,7 +7988,7 @@
         </p:nvCxnSpPr>
         <p:spPr>
           <a:xfrm>
-            <a:off x="3415026" y="1966512"/>
+            <a:off x="5093401" y="1966512"/>
             <a:ext cx="0" cy="1867358"/>
           </a:xfrm>
           <a:prstGeom prst="line">
@@ -8026,7 +8026,7 @@
         </p:nvCxnSpPr>
         <p:spPr>
           <a:xfrm>
-            <a:off x="3129506" y="1966512"/>
+            <a:off x="4807881" y="1966512"/>
             <a:ext cx="0" cy="1867358"/>
           </a:xfrm>
           <a:prstGeom prst="line">
@@ -8064,7 +8064,7 @@
         </p:nvCxnSpPr>
         <p:spPr>
           <a:xfrm>
-            <a:off x="2843985" y="1966512"/>
+            <a:off x="4522360" y="1966512"/>
             <a:ext cx="0" cy="1867358"/>
           </a:xfrm>
           <a:prstGeom prst="line">
@@ -8102,7 +8102,7 @@
         </p:nvCxnSpPr>
         <p:spPr>
           <a:xfrm>
-            <a:off x="2555913" y="2513315"/>
+            <a:off x="4234288" y="2513315"/>
             <a:ext cx="1740665" cy="0"/>
           </a:xfrm>
           <a:prstGeom prst="line">
@@ -8140,7 +8140,7 @@
         </p:nvCxnSpPr>
         <p:spPr>
           <a:xfrm>
-            <a:off x="2555913" y="2790206"/>
+            <a:off x="4234288" y="2790206"/>
             <a:ext cx="1740665" cy="0"/>
           </a:xfrm>
           <a:prstGeom prst="line">
@@ -8178,7 +8178,7 @@
         </p:nvCxnSpPr>
         <p:spPr>
           <a:xfrm>
-            <a:off x="2555913" y="3067097"/>
+            <a:off x="4234288" y="3067097"/>
             <a:ext cx="1740665" cy="0"/>
           </a:xfrm>
           <a:prstGeom prst="line">
@@ -8216,7 +8216,7 @@
         </p:nvCxnSpPr>
         <p:spPr>
           <a:xfrm>
-            <a:off x="2555913" y="3343988"/>
+            <a:off x="4234288" y="3343988"/>
             <a:ext cx="1740665" cy="0"/>
           </a:xfrm>
           <a:prstGeom prst="line">
@@ -8254,7 +8254,7 @@
         </p:nvCxnSpPr>
         <p:spPr>
           <a:xfrm>
-            <a:off x="2555913" y="3620877"/>
+            <a:off x="4234288" y="3620877"/>
             <a:ext cx="1740665" cy="0"/>
           </a:xfrm>
           <a:prstGeom prst="line">
@@ -8290,7 +8290,7 @@
         </p:nvSpPr>
         <p:spPr>
           <a:xfrm>
-            <a:off x="2843778" y="2786902"/>
+            <a:off x="4522153" y="2786902"/>
             <a:ext cx="285511" cy="273590"/>
           </a:xfrm>
           <a:prstGeom prst="rect">
@@ -8344,7 +8344,7 @@
         </p:nvSpPr>
         <p:spPr>
           <a:xfrm>
-            <a:off x="3129288" y="2786902"/>
+            <a:off x="4807663" y="2786902"/>
             <a:ext cx="285514" cy="273588"/>
           </a:xfrm>
           <a:prstGeom prst="rect">
@@ -8398,7 +8398,7 @@
         </p:nvSpPr>
         <p:spPr>
           <a:xfrm>
-            <a:off x="3130241" y="2513307"/>
+            <a:off x="4808616" y="2513307"/>
             <a:ext cx="285514" cy="273588"/>
           </a:xfrm>
           <a:prstGeom prst="rect">
@@ -8452,7 +8452,7 @@
         </p:nvSpPr>
         <p:spPr>
           <a:xfrm>
-            <a:off x="3414357" y="2513312"/>
+            <a:off x="5092732" y="2513312"/>
             <a:ext cx="285501" cy="273588"/>
           </a:xfrm>
           <a:prstGeom prst="rect">
@@ -8506,7 +8506,7 @@
         </p:nvSpPr>
         <p:spPr>
           <a:xfrm>
-            <a:off x="3414080" y="2236418"/>
+            <a:off x="5092455" y="2236418"/>
             <a:ext cx="285514" cy="273588"/>
           </a:xfrm>
           <a:prstGeom prst="rect">
@@ -8560,7 +8560,7 @@
         </p:nvSpPr>
         <p:spPr>
           <a:xfrm>
-            <a:off x="3698516" y="2239720"/>
+            <a:off x="5376891" y="2239720"/>
             <a:ext cx="284819" cy="273588"/>
           </a:xfrm>
           <a:prstGeom prst="rect">
@@ -8614,7 +8614,7 @@
         </p:nvSpPr>
         <p:spPr>
           <a:xfrm>
-            <a:off x="2930492" y="2313557"/>
+            <a:off x="4608867" y="2313557"/>
             <a:ext cx="1156766" cy="1496443"/>
           </a:xfrm>
           <a:custGeom>
@@ -8697,7 +8697,7 @@
         </p:nvSpPr>
         <p:spPr>
           <a:xfrm>
-            <a:off x="4661904" y="2233120"/>
+            <a:off x="6340279" y="2233120"/>
             <a:ext cx="284819" cy="273588"/>
           </a:xfrm>
           <a:prstGeom prst="rect">
@@ -8751,7 +8751,7 @@
         </p:nvSpPr>
         <p:spPr>
           <a:xfrm>
-            <a:off x="4992425" y="2185248"/>
+            <a:off x="6670800" y="2185248"/>
             <a:ext cx="1238159" cy="369332"/>
           </a:xfrm>
           <a:prstGeom prst="rect">
@@ -8788,7 +8788,7 @@
         </p:nvSpPr>
         <p:spPr>
           <a:xfrm>
-            <a:off x="3368007" y="3023304"/>
+            <a:off x="5046382" y="3023304"/>
             <a:ext cx="91440" cy="91440"/>
           </a:xfrm>
           <a:prstGeom prst="ellipse">
@@ -8842,7 +8842,7 @@
         </p:nvSpPr>
         <p:spPr>
           <a:xfrm>
-            <a:off x="3368007" y="2741623"/>
+            <a:off x="5046382" y="2741623"/>
             <a:ext cx="91440" cy="91440"/>
           </a:xfrm>
           <a:prstGeom prst="ellipse">
@@ -8896,7 +8896,7 @@
         </p:nvSpPr>
         <p:spPr>
           <a:xfrm>
-            <a:off x="3368007" y="2467529"/>
+            <a:off x="5046382" y="2467529"/>
             <a:ext cx="91440" cy="91440"/>
           </a:xfrm>
           <a:prstGeom prst="ellipse">
@@ -8950,7 +8950,7 @@
         </p:nvSpPr>
         <p:spPr>
           <a:xfrm>
-            <a:off x="3081572" y="3023304"/>
+            <a:off x="4759947" y="3023304"/>
             <a:ext cx="91440" cy="91440"/>
           </a:xfrm>
           <a:prstGeom prst="ellipse">
@@ -9004,7 +9004,7 @@
         </p:nvSpPr>
         <p:spPr>
           <a:xfrm>
-            <a:off x="3081572" y="2741623"/>
+            <a:off x="4759947" y="2741623"/>
             <a:ext cx="91440" cy="91440"/>
           </a:xfrm>
           <a:prstGeom prst="ellipse">
@@ -9058,7 +9058,7 @@
         </p:nvSpPr>
         <p:spPr>
           <a:xfrm>
-            <a:off x="3081572" y="2467529"/>
+            <a:off x="4759947" y="2467529"/>
             <a:ext cx="91440" cy="91440"/>
           </a:xfrm>
           <a:prstGeom prst="ellipse">
@@ -9112,7 +9112,7 @@
         </p:nvSpPr>
         <p:spPr>
           <a:xfrm>
-            <a:off x="2798854" y="3296533"/>
+            <a:off x="4477229" y="3296533"/>
             <a:ext cx="91440" cy="91440"/>
           </a:xfrm>
           <a:prstGeom prst="ellipse">
@@ -9166,7 +9166,7 @@
         </p:nvSpPr>
         <p:spPr>
           <a:xfrm>
-            <a:off x="2798854" y="3023304"/>
+            <a:off x="4477229" y="3023304"/>
             <a:ext cx="91440" cy="91440"/>
           </a:xfrm>
           <a:prstGeom prst="ellipse">
@@ -9220,7 +9220,7 @@
         </p:nvSpPr>
         <p:spPr>
           <a:xfrm>
-            <a:off x="2798854" y="2741623"/>
+            <a:off x="4477229" y="2741623"/>
             <a:ext cx="91440" cy="91440"/>
           </a:xfrm>
           <a:prstGeom prst="ellipse">
@@ -9274,7 +9274,7 @@
         </p:nvSpPr>
         <p:spPr>
           <a:xfrm>
-            <a:off x="3655302" y="2741623"/>
+            <a:off x="5333677" y="2741623"/>
             <a:ext cx="91440" cy="91440"/>
           </a:xfrm>
           <a:prstGeom prst="ellipse">
@@ -9328,7 +9328,7 @@
         </p:nvSpPr>
         <p:spPr>
           <a:xfrm>
-            <a:off x="3655302" y="2467529"/>
+            <a:off x="5333677" y="2467529"/>
             <a:ext cx="91440" cy="91440"/>
           </a:xfrm>
           <a:prstGeom prst="ellipse">
@@ -9382,7 +9382,7 @@
         </p:nvSpPr>
         <p:spPr>
           <a:xfrm>
-            <a:off x="3655302" y="2185707"/>
+            <a:off x="5333677" y="2185707"/>
             <a:ext cx="91440" cy="91440"/>
           </a:xfrm>
           <a:prstGeom prst="ellipse">
@@ -9436,7 +9436,7 @@
         </p:nvSpPr>
         <p:spPr>
           <a:xfrm>
-            <a:off x="3081572" y="3296533"/>
+            <a:off x="4759947" y="3296533"/>
             <a:ext cx="91440" cy="91440"/>
           </a:xfrm>
           <a:prstGeom prst="ellipse">
@@ -9490,7 +9490,7 @@
         </p:nvSpPr>
         <p:spPr>
           <a:xfrm>
-            <a:off x="3081572" y="3578041"/>
+            <a:off x="4759947" y="3578041"/>
             <a:ext cx="91440" cy="91440"/>
           </a:xfrm>
           <a:prstGeom prst="ellipse">
@@ -9544,7 +9544,7 @@
         </p:nvSpPr>
         <p:spPr>
           <a:xfrm>
-            <a:off x="2798854" y="3578041"/>
+            <a:off x="4477229" y="3578041"/>
             <a:ext cx="91440" cy="91440"/>
           </a:xfrm>
           <a:prstGeom prst="ellipse">
@@ -9598,7 +9598,7 @@
         </p:nvSpPr>
         <p:spPr>
           <a:xfrm>
-            <a:off x="3368007" y="2185707"/>
+            <a:off x="5046382" y="2185707"/>
             <a:ext cx="91440" cy="91440"/>
           </a:xfrm>
           <a:prstGeom prst="ellipse">
@@ -9652,7 +9652,7 @@
         </p:nvSpPr>
         <p:spPr>
           <a:xfrm>
-            <a:off x="3938914" y="2467529"/>
+            <a:off x="5617289" y="2467529"/>
             <a:ext cx="91440" cy="91440"/>
           </a:xfrm>
           <a:prstGeom prst="ellipse">
@@ -9706,7 +9706,7 @@
         </p:nvSpPr>
         <p:spPr>
           <a:xfrm>
-            <a:off x="3938914" y="2185707"/>
+            <a:off x="5617289" y="2185707"/>
             <a:ext cx="91440" cy="91440"/>
           </a:xfrm>
           <a:prstGeom prst="ellipse">
@@ -9760,7 +9760,7 @@
         </p:nvSpPr>
         <p:spPr>
           <a:xfrm>
-            <a:off x="3938914" y="2741623"/>
+            <a:off x="5617289" y="2741623"/>
             <a:ext cx="91440" cy="91440"/>
           </a:xfrm>
           <a:prstGeom prst="ellipse">
@@ -9814,7 +9814,7 @@
         </p:nvSpPr>
         <p:spPr>
           <a:xfrm>
-            <a:off x="3938914" y="3023304"/>
+            <a:off x="5617289" y="3023304"/>
             <a:ext cx="91440" cy="91440"/>
           </a:xfrm>
           <a:prstGeom prst="ellipse">
@@ -9868,7 +9868,7 @@
         </p:nvSpPr>
         <p:spPr>
           <a:xfrm>
-            <a:off x="3938914" y="3296533"/>
+            <a:off x="5617289" y="3296533"/>
             <a:ext cx="91440" cy="91440"/>
           </a:xfrm>
           <a:prstGeom prst="ellipse">
@@ -9922,7 +9922,7 @@
         </p:nvSpPr>
         <p:spPr>
           <a:xfrm>
-            <a:off x="3938914" y="3578041"/>
+            <a:off x="5617289" y="3578041"/>
             <a:ext cx="91440" cy="91440"/>
           </a:xfrm>
           <a:prstGeom prst="ellipse">
@@ -9976,7 +9976,7 @@
         </p:nvSpPr>
         <p:spPr>
           <a:xfrm>
-            <a:off x="2798854" y="2185707"/>
+            <a:off x="4477229" y="2185707"/>
             <a:ext cx="91440" cy="91440"/>
           </a:xfrm>
           <a:prstGeom prst="ellipse">
@@ -10030,7 +10030,7 @@
         </p:nvSpPr>
         <p:spPr>
           <a:xfrm>
-            <a:off x="3081572" y="2185707"/>
+            <a:off x="4759947" y="2185707"/>
             <a:ext cx="91440" cy="91440"/>
           </a:xfrm>
           <a:prstGeom prst="ellipse">
@@ -10084,7 +10084,7 @@
         </p:nvSpPr>
         <p:spPr>
           <a:xfrm>
-            <a:off x="2798854" y="2467529"/>
+            <a:off x="4477229" y="2467529"/>
             <a:ext cx="91440" cy="91440"/>
           </a:xfrm>
           <a:prstGeom prst="ellipse">
@@ -10138,7 +10138,7 @@
         </p:nvSpPr>
         <p:spPr>
           <a:xfrm>
-            <a:off x="3655302" y="3023304"/>
+            <a:off x="5333677" y="3023304"/>
             <a:ext cx="91440" cy="91440"/>
           </a:xfrm>
           <a:prstGeom prst="ellipse">
@@ -10192,7 +10192,7 @@
         </p:nvSpPr>
         <p:spPr>
           <a:xfrm>
-            <a:off x="3655302" y="3296533"/>
+            <a:off x="5333677" y="3296533"/>
             <a:ext cx="91440" cy="91440"/>
           </a:xfrm>
           <a:prstGeom prst="ellipse">
@@ -10246,7 +10246,7 @@
         </p:nvSpPr>
         <p:spPr>
           <a:xfrm>
-            <a:off x="3655302" y="3578041"/>
+            <a:off x="5333677" y="3578041"/>
             <a:ext cx="91440" cy="91440"/>
           </a:xfrm>
           <a:prstGeom prst="ellipse">
@@ -10300,7 +10300,7 @@
         </p:nvSpPr>
         <p:spPr>
           <a:xfrm>
-            <a:off x="3368007" y="3296533"/>
+            <a:off x="5046382" y="3296533"/>
             <a:ext cx="91440" cy="91440"/>
           </a:xfrm>
           <a:prstGeom prst="ellipse">
@@ -10354,7 +10354,7 @@
         </p:nvSpPr>
         <p:spPr>
           <a:xfrm>
-            <a:off x="3368007" y="3578041"/>
+            <a:off x="5046382" y="3578041"/>
             <a:ext cx="91440" cy="91440"/>
           </a:xfrm>
           <a:prstGeom prst="ellipse">
@@ -10408,7 +10408,7 @@
         </p:nvSpPr>
         <p:spPr>
           <a:xfrm>
-            <a:off x="4755555" y="2755961"/>
+            <a:off x="6433930" y="2755961"/>
             <a:ext cx="91440" cy="91440"/>
           </a:xfrm>
           <a:prstGeom prst="ellipse">
@@ -10460,7 +10460,7 @@
         </p:nvSpPr>
         <p:spPr>
           <a:xfrm>
-            <a:off x="4992425" y="2617015"/>
+            <a:off x="6670800" y="2617015"/>
             <a:ext cx="1038746" cy="369332"/>
           </a:xfrm>
           <a:prstGeom prst="rect">
@@ -10497,7 +10497,7 @@
         </p:nvSpPr>
         <p:spPr>
           <a:xfrm>
-            <a:off x="4755555" y="3187728"/>
+            <a:off x="6433930" y="3187728"/>
             <a:ext cx="91440" cy="91440"/>
           </a:xfrm>
           <a:prstGeom prst="ellipse">
@@ -10549,7 +10549,7 @@
         </p:nvSpPr>
         <p:spPr>
           <a:xfrm>
-            <a:off x="4992425" y="3048782"/>
+            <a:off x="6670800" y="3048782"/>
             <a:ext cx="1489318" cy="369332"/>
           </a:xfrm>
           <a:prstGeom prst="rect">
@@ -10584,7 +10584,7 @@
         </p:nvSpPr>
         <p:spPr>
           <a:xfrm>
-            <a:off x="4992425" y="3480549"/>
+            <a:off x="6670800" y="3480549"/>
             <a:ext cx="1218475" cy="369332"/>
           </a:xfrm>
           <a:prstGeom prst="rect">
@@ -10619,7 +10619,7 @@
         </p:nvSpPr>
         <p:spPr>
           <a:xfrm>
-            <a:off x="4992425" y="3912316"/>
+            <a:off x="6670800" y="3912316"/>
             <a:ext cx="441468" cy="369332"/>
           </a:xfrm>
           <a:prstGeom prst="rect">
@@ -10656,7 +10656,7 @@
         </p:nvSpPr>
         <p:spPr>
           <a:xfrm>
-            <a:off x="4755555" y="3613885"/>
+            <a:off x="6433930" y="3613885"/>
             <a:ext cx="91440" cy="91440"/>
           </a:xfrm>
           <a:prstGeom prst="ellipse">
@@ -10710,7 +10710,7 @@
         </p:nvSpPr>
         <p:spPr>
           <a:xfrm>
-            <a:off x="4761195" y="4051262"/>
+            <a:off x="6439570" y="4051262"/>
             <a:ext cx="91440" cy="91440"/>
           </a:xfrm>
           <a:prstGeom prst="ellipse">
@@ -10762,7 +10762,7 @@
         </p:nvSpPr>
         <p:spPr>
           <a:xfrm>
-            <a:off x="1676827" y="1428808"/>
+            <a:off x="3355202" y="1428808"/>
             <a:ext cx="2842766" cy="369332"/>
           </a:xfrm>
           <a:prstGeom prst="rect">
@@ -10799,7 +10799,7 @@
         </p:nvSpPr>
         <p:spPr>
           <a:xfrm>
-            <a:off x="3655302" y="2467529"/>
+            <a:off x="5333677" y="2467529"/>
             <a:ext cx="91440" cy="91440"/>
           </a:xfrm>
           <a:prstGeom prst="ellipse">
@@ -10853,7 +10853,7 @@
         </p:nvSpPr>
         <p:spPr>
           <a:xfrm>
-            <a:off x="3938914" y="2741623"/>
+            <a:off x="5617289" y="2741623"/>
             <a:ext cx="91440" cy="91440"/>
           </a:xfrm>
           <a:prstGeom prst="ellipse">
@@ -10905,7 +10905,7 @@
         </p:nvSpPr>
         <p:spPr>
           <a:xfrm>
-            <a:off x="3673593" y="1983156"/>
+            <a:off x="5351968" y="1983156"/>
             <a:ext cx="364202" cy="261610"/>
           </a:xfrm>
           <a:prstGeom prst="rect">
@@ -10940,7 +10940,7 @@
         </p:nvSpPr>
         <p:spPr>
           <a:xfrm>
-            <a:off x="3386045" y="1983156"/>
+            <a:off x="5064420" y="1983156"/>
             <a:ext cx="356188" cy="253916"/>
           </a:xfrm>
           <a:prstGeom prst="rect">
@@ -10975,7 +10975,7 @@
         </p:nvSpPr>
         <p:spPr>
           <a:xfrm>
-            <a:off x="3098497" y="1983156"/>
+            <a:off x="4776872" y="1983156"/>
             <a:ext cx="356188" cy="253916"/>
           </a:xfrm>
           <a:prstGeom prst="rect">
@@ -11010,7 +11010,7 @@
         </p:nvSpPr>
         <p:spPr>
           <a:xfrm>
-            <a:off x="3947000" y="2259849"/>
+            <a:off x="5625375" y="2259849"/>
             <a:ext cx="397866" cy="253916"/>
           </a:xfrm>
           <a:prstGeom prst="rect">
@@ -11045,7 +11045,7 @@
         </p:nvSpPr>
         <p:spPr>
           <a:xfrm>
-            <a:off x="3639929" y="2259849"/>
+            <a:off x="5318304" y="2259849"/>
             <a:ext cx="397866" cy="253916"/>
           </a:xfrm>
           <a:prstGeom prst="rect">
@@ -11080,7 +11080,7 @@
         </p:nvSpPr>
         <p:spPr>
           <a:xfrm>
-            <a:off x="3098497" y="2259849"/>
+            <a:off x="4776872" y="2259849"/>
             <a:ext cx="356188" cy="253916"/>
           </a:xfrm>
           <a:prstGeom prst="rect">
@@ -11115,7 +11115,7 @@
         </p:nvSpPr>
         <p:spPr>
           <a:xfrm>
-            <a:off x="2814132" y="2259849"/>
+            <a:off x="4492507" y="2259849"/>
             <a:ext cx="356188" cy="253916"/>
           </a:xfrm>
           <a:prstGeom prst="rect">
@@ -11150,7 +11150,7 @@
         </p:nvSpPr>
         <p:spPr>
           <a:xfrm>
-            <a:off x="2531892" y="2526983"/>
+            <a:off x="4210267" y="2526983"/>
             <a:ext cx="356188" cy="253916"/>
           </a:xfrm>
           <a:prstGeom prst="rect">
@@ -11185,7 +11185,7 @@
         </p:nvSpPr>
         <p:spPr>
           <a:xfrm>
-            <a:off x="2814132" y="2526983"/>
+            <a:off x="4492507" y="2526983"/>
             <a:ext cx="356188" cy="253916"/>
           </a:xfrm>
           <a:prstGeom prst="rect">
@@ -11220,7 +11220,7 @@
         </p:nvSpPr>
         <p:spPr>
           <a:xfrm>
-            <a:off x="3344367" y="2526983"/>
+            <a:off x="5022742" y="2526983"/>
             <a:ext cx="397866" cy="253916"/>
           </a:xfrm>
           <a:prstGeom prst="rect">
@@ -11255,7 +11255,7 @@
         </p:nvSpPr>
         <p:spPr>
           <a:xfrm>
-            <a:off x="3639929" y="2526983"/>
+            <a:off x="5318304" y="2526983"/>
             <a:ext cx="397866" cy="253916"/>
           </a:xfrm>
           <a:prstGeom prst="rect">
@@ -11290,7 +11290,7 @@
         </p:nvSpPr>
         <p:spPr>
           <a:xfrm>
-            <a:off x="2531892" y="2808198"/>
+            <a:off x="4210267" y="2808198"/>
             <a:ext cx="356188" cy="253916"/>
           </a:xfrm>
           <a:prstGeom prst="rect">
@@ -11325,7 +11325,7 @@
         </p:nvSpPr>
         <p:spPr>
           <a:xfrm>
-            <a:off x="2531892" y="3089413"/>
+            <a:off x="4210267" y="3089413"/>
             <a:ext cx="356188" cy="253916"/>
           </a:xfrm>
           <a:prstGeom prst="rect">
@@ -11360,7 +11360,7 @@
         </p:nvSpPr>
         <p:spPr>
           <a:xfrm>
-            <a:off x="2531892" y="3370628"/>
+            <a:off x="4210267" y="3370628"/>
             <a:ext cx="356188" cy="253916"/>
           </a:xfrm>
           <a:prstGeom prst="rect">
@@ -11395,7 +11395,7 @@
         </p:nvSpPr>
         <p:spPr>
           <a:xfrm>
-            <a:off x="3056819" y="3370628"/>
+            <a:off x="4735194" y="3370628"/>
             <a:ext cx="397866" cy="253916"/>
           </a:xfrm>
           <a:prstGeom prst="rect">
@@ -11430,7 +11430,7 @@
         </p:nvSpPr>
         <p:spPr>
           <a:xfrm>
-            <a:off x="3056819" y="3090409"/>
+            <a:off x="4735194" y="3090409"/>
             <a:ext cx="397866" cy="253916"/>
           </a:xfrm>
           <a:prstGeom prst="rect">
@@ -11465,7 +11465,7 @@
         </p:nvSpPr>
         <p:spPr>
           <a:xfrm>
-            <a:off x="3056819" y="2808198"/>
+            <a:off x="4735194" y="2808198"/>
             <a:ext cx="397866" cy="253916"/>
           </a:xfrm>
           <a:prstGeom prst="rect">
@@ -11500,7 +11500,7 @@
         </p:nvSpPr>
         <p:spPr>
           <a:xfrm>
-            <a:off x="3344367" y="2808198"/>
+            <a:off x="5022742" y="2808198"/>
             <a:ext cx="397866" cy="253916"/>
           </a:xfrm>
           <a:prstGeom prst="rect">
@@ -11537,7 +11537,7 @@
         </p:nvCxnSpPr>
         <p:spPr>
           <a:xfrm flipH="1">
-            <a:off x="3723879" y="2543631"/>
+            <a:off x="5402254" y="2543631"/>
             <a:ext cx="227190" cy="223143"/>
           </a:xfrm>
           <a:prstGeom prst="line">
@@ -11584,7 +11584,7 @@
         </p:nvCxnSpPr>
         <p:spPr>
           <a:xfrm>
-            <a:off x="3910015" y="2589367"/>
+            <a:off x="5588390" y="2589367"/>
             <a:ext cx="48485" cy="166594"/>
           </a:xfrm>
           <a:prstGeom prst="line">
@@ -11629,7 +11629,7 @@
         </p:nvSpPr>
         <p:spPr>
           <a:xfrm>
-            <a:off x="3947000" y="2526983"/>
+            <a:off x="5625375" y="2526983"/>
             <a:ext cx="397866" cy="253916"/>
           </a:xfrm>
           <a:prstGeom prst="rect">
